--- a/자바심화PPT과제/자바심화 6강.pptx
+++ b/자바심화PPT과제/자바심화 6강.pptx
@@ -21,6 +21,10 @@
     <p:sldId id="269" r:id="rId15"/>
     <p:sldId id="270" r:id="rId16"/>
     <p:sldId id="271" r:id="rId17"/>
+    <p:sldId id="272" r:id="rId18"/>
+    <p:sldId id="273" r:id="rId19"/>
+    <p:sldId id="274" r:id="rId20"/>
+    <p:sldId id="275" r:id="rId21"/>
   </p:sldIdLst>
   <p:sldSz cx="12192000" cy="6858000"/>
   <p:notesSz cx="6858000" cy="9144000"/>
@@ -235,7 +239,7 @@
           </a:lstStyle>
           <a:p>
             <a:r>
-              <a:rPr lang="ko-KR" altLang="en-US" smtClean="0"/>
+              <a:rPr lang="ko-KR" altLang="en-US"/>
               <a:t>마스터 제목 스타일 편집</a:t>
             </a:r>
             <a:endParaRPr lang="en-US" dirty="0"/>
@@ -306,7 +310,7 @@
           </a:lstStyle>
           <a:p>
             <a:r>
-              <a:rPr lang="ko-KR" altLang="en-US" smtClean="0"/>
+              <a:rPr lang="ko-KR" altLang="en-US"/>
               <a:t>마스터 부제목 스타일 편집</a:t>
             </a:r>
             <a:endParaRPr lang="en-US" dirty="0"/>
@@ -339,7 +343,7 @@
             <a:fld id="{96DFF08F-DC6B-4601-B491-B0F83F6DD2DA}" type="datetimeFigureOut">
               <a:rPr lang="en-US" dirty="0"/>
               <a:pPr/>
-              <a:t>3/24/2023</a:t>
+              <a:t>3/26/2023</a:t>
             </a:fld>
             <a:endParaRPr lang="en-US" dirty="0"/>
           </a:p>
@@ -480,7 +484,7 @@
           <a:lstStyle/>
           <a:p>
             <a:r>
-              <a:rPr lang="ko-KR" altLang="en-US" smtClean="0"/>
+              <a:rPr lang="ko-KR" altLang="en-US"/>
               <a:t>마스터 제목 스타일 편집</a:t>
             </a:r>
             <a:endParaRPr lang="en-US" dirty="0"/>
@@ -504,35 +508,35 @@
           <a:p>
             <a:pPr lvl="0"/>
             <a:r>
-              <a:rPr lang="ko-KR" altLang="en-US" smtClean="0"/>
+              <a:rPr lang="ko-KR" altLang="en-US"/>
               <a:t>마스터 텍스트 스타일을 편집합니다</a:t>
             </a:r>
           </a:p>
           <a:p>
             <a:pPr lvl="1"/>
             <a:r>
-              <a:rPr lang="ko-KR" altLang="en-US" smtClean="0"/>
+              <a:rPr lang="ko-KR" altLang="en-US"/>
               <a:t>둘째 수준</a:t>
             </a:r>
           </a:p>
           <a:p>
             <a:pPr lvl="2"/>
             <a:r>
-              <a:rPr lang="ko-KR" altLang="en-US" smtClean="0"/>
+              <a:rPr lang="ko-KR" altLang="en-US"/>
               <a:t>셋째 수준</a:t>
             </a:r>
           </a:p>
           <a:p>
             <a:pPr lvl="3"/>
             <a:r>
-              <a:rPr lang="ko-KR" altLang="en-US" smtClean="0"/>
+              <a:rPr lang="ko-KR" altLang="en-US"/>
               <a:t>넷째 수준</a:t>
             </a:r>
           </a:p>
           <a:p>
             <a:pPr lvl="4"/>
             <a:r>
-              <a:rPr lang="ko-KR" altLang="en-US" smtClean="0"/>
+              <a:rPr lang="ko-KR" altLang="en-US"/>
               <a:t>다섯째 수준</a:t>
             </a:r>
             <a:endParaRPr lang="en-US" dirty="0"/>
@@ -556,7 +560,7 @@
           <a:p>
             <a:fld id="{96DFF08F-DC6B-4601-B491-B0F83F6DD2DA}" type="datetimeFigureOut">
               <a:rPr lang="en-US" dirty="0"/>
-              <a:t>3/24/2023</a:t>
+              <a:t>3/26/2023</a:t>
             </a:fld>
             <a:endParaRPr lang="en-US" dirty="0"/>
           </a:p>
@@ -650,7 +654,7 @@
           <a:lstStyle/>
           <a:p>
             <a:r>
-              <a:rPr lang="ko-KR" altLang="en-US" smtClean="0"/>
+              <a:rPr lang="ko-KR" altLang="en-US"/>
               <a:t>마스터 제목 스타일 편집</a:t>
             </a:r>
             <a:endParaRPr lang="en-US" dirty="0"/>
@@ -679,35 +683,35 @@
           <a:p>
             <a:pPr lvl="0"/>
             <a:r>
-              <a:rPr lang="ko-KR" altLang="en-US" smtClean="0"/>
+              <a:rPr lang="ko-KR" altLang="en-US"/>
               <a:t>마스터 텍스트 스타일을 편집합니다</a:t>
             </a:r>
           </a:p>
           <a:p>
             <a:pPr lvl="1"/>
             <a:r>
-              <a:rPr lang="ko-KR" altLang="en-US" smtClean="0"/>
+              <a:rPr lang="ko-KR" altLang="en-US"/>
               <a:t>둘째 수준</a:t>
             </a:r>
           </a:p>
           <a:p>
             <a:pPr lvl="2"/>
             <a:r>
-              <a:rPr lang="ko-KR" altLang="en-US" smtClean="0"/>
+              <a:rPr lang="ko-KR" altLang="en-US"/>
               <a:t>셋째 수준</a:t>
             </a:r>
           </a:p>
           <a:p>
             <a:pPr lvl="3"/>
             <a:r>
-              <a:rPr lang="ko-KR" altLang="en-US" smtClean="0"/>
+              <a:rPr lang="ko-KR" altLang="en-US"/>
               <a:t>넷째 수준</a:t>
             </a:r>
           </a:p>
           <a:p>
             <a:pPr lvl="4"/>
             <a:r>
-              <a:rPr lang="ko-KR" altLang="en-US" smtClean="0"/>
+              <a:rPr lang="ko-KR" altLang="en-US"/>
               <a:t>다섯째 수준</a:t>
             </a:r>
             <a:endParaRPr lang="en-US" dirty="0"/>
@@ -731,7 +735,7 @@
           <a:p>
             <a:fld id="{96DFF08F-DC6B-4601-B491-B0F83F6DD2DA}" type="datetimeFigureOut">
               <a:rPr lang="en-US" dirty="0"/>
-              <a:t>3/24/2023</a:t>
+              <a:t>3/26/2023</a:t>
             </a:fld>
             <a:endParaRPr lang="en-US" dirty="0"/>
           </a:p>
@@ -820,7 +824,7 @@
           <a:lstStyle/>
           <a:p>
             <a:r>
-              <a:rPr lang="ko-KR" altLang="en-US" smtClean="0"/>
+              <a:rPr lang="ko-KR" altLang="en-US"/>
               <a:t>마스터 제목 스타일 편집</a:t>
             </a:r>
             <a:endParaRPr lang="en-US" dirty="0"/>
@@ -844,35 +848,35 @@
           <a:p>
             <a:pPr lvl="0"/>
             <a:r>
-              <a:rPr lang="ko-KR" altLang="en-US" smtClean="0"/>
+              <a:rPr lang="ko-KR" altLang="en-US"/>
               <a:t>마스터 텍스트 스타일을 편집합니다</a:t>
             </a:r>
           </a:p>
           <a:p>
             <a:pPr lvl="1"/>
             <a:r>
-              <a:rPr lang="ko-KR" altLang="en-US" smtClean="0"/>
+              <a:rPr lang="ko-KR" altLang="en-US"/>
               <a:t>둘째 수준</a:t>
             </a:r>
           </a:p>
           <a:p>
             <a:pPr lvl="2"/>
             <a:r>
-              <a:rPr lang="ko-KR" altLang="en-US" smtClean="0"/>
+              <a:rPr lang="ko-KR" altLang="en-US"/>
               <a:t>셋째 수준</a:t>
             </a:r>
           </a:p>
           <a:p>
             <a:pPr lvl="3"/>
             <a:r>
-              <a:rPr lang="ko-KR" altLang="en-US" smtClean="0"/>
+              <a:rPr lang="ko-KR" altLang="en-US"/>
               <a:t>넷째 수준</a:t>
             </a:r>
           </a:p>
           <a:p>
             <a:pPr lvl="4"/>
             <a:r>
-              <a:rPr lang="ko-KR" altLang="en-US" smtClean="0"/>
+              <a:rPr lang="ko-KR" altLang="en-US"/>
               <a:t>다섯째 수준</a:t>
             </a:r>
             <a:endParaRPr lang="en-US" dirty="0"/>
@@ -896,7 +900,7 @@
           <a:p>
             <a:fld id="{96DFF08F-DC6B-4601-B491-B0F83F6DD2DA}" type="datetimeFigureOut">
               <a:rPr lang="en-US" dirty="0"/>
-              <a:t>3/24/2023</a:t>
+              <a:t>3/26/2023</a:t>
             </a:fld>
             <a:endParaRPr lang="en-US" dirty="0"/>
           </a:p>
@@ -1022,7 +1026,7 @@
           </a:lstStyle>
           <a:p>
             <a:r>
-              <a:rPr lang="ko-KR" altLang="en-US" smtClean="0"/>
+              <a:rPr lang="ko-KR" altLang="en-US"/>
               <a:t>마스터 제목 스타일 편집</a:t>
             </a:r>
             <a:endParaRPr lang="en-US" dirty="0"/>
@@ -1142,7 +1146,7 @@
           <a:p>
             <a:pPr lvl="0"/>
             <a:r>
-              <a:rPr lang="ko-KR" altLang="en-US" smtClean="0"/>
+              <a:rPr lang="ko-KR" altLang="en-US"/>
               <a:t>마스터 텍스트 스타일을 편집합니다</a:t>
             </a:r>
           </a:p>
@@ -1165,7 +1169,7 @@
           <a:p>
             <a:fld id="{96DFF08F-DC6B-4601-B491-B0F83F6DD2DA}" type="datetimeFigureOut">
               <a:rPr lang="en-US" dirty="0"/>
-              <a:t>3/24/2023</a:t>
+              <a:t>3/26/2023</a:t>
             </a:fld>
             <a:endParaRPr lang="en-US" dirty="0"/>
           </a:p>
@@ -1289,7 +1293,7 @@
           <a:lstStyle/>
           <a:p>
             <a:r>
-              <a:rPr lang="ko-KR" altLang="en-US" smtClean="0"/>
+              <a:rPr lang="ko-KR" altLang="en-US"/>
               <a:t>마스터 제목 스타일 편집</a:t>
             </a:r>
             <a:endParaRPr lang="en-US" dirty="0"/>
@@ -1346,35 +1350,35 @@
           <a:p>
             <a:pPr lvl="0"/>
             <a:r>
-              <a:rPr lang="ko-KR" altLang="en-US" smtClean="0"/>
+              <a:rPr lang="ko-KR" altLang="en-US"/>
               <a:t>마스터 텍스트 스타일을 편집합니다</a:t>
             </a:r>
           </a:p>
           <a:p>
             <a:pPr lvl="1"/>
             <a:r>
-              <a:rPr lang="ko-KR" altLang="en-US" smtClean="0"/>
+              <a:rPr lang="ko-KR" altLang="en-US"/>
               <a:t>둘째 수준</a:t>
             </a:r>
           </a:p>
           <a:p>
             <a:pPr lvl="2"/>
             <a:r>
-              <a:rPr lang="ko-KR" altLang="en-US" smtClean="0"/>
+              <a:rPr lang="ko-KR" altLang="en-US"/>
               <a:t>셋째 수준</a:t>
             </a:r>
           </a:p>
           <a:p>
             <a:pPr lvl="3"/>
             <a:r>
-              <a:rPr lang="ko-KR" altLang="en-US" smtClean="0"/>
+              <a:rPr lang="ko-KR" altLang="en-US"/>
               <a:t>넷째 수준</a:t>
             </a:r>
           </a:p>
           <a:p>
             <a:pPr lvl="4"/>
             <a:r>
-              <a:rPr lang="ko-KR" altLang="en-US" smtClean="0"/>
+              <a:rPr lang="ko-KR" altLang="en-US"/>
               <a:t>다섯째 수준</a:t>
             </a:r>
             <a:endParaRPr lang="en-US" dirty="0"/>
@@ -1431,35 +1435,35 @@
           <a:p>
             <a:pPr lvl="0"/>
             <a:r>
-              <a:rPr lang="ko-KR" altLang="en-US" smtClean="0"/>
+              <a:rPr lang="ko-KR" altLang="en-US"/>
               <a:t>마스터 텍스트 스타일을 편집합니다</a:t>
             </a:r>
           </a:p>
           <a:p>
             <a:pPr lvl="1"/>
             <a:r>
-              <a:rPr lang="ko-KR" altLang="en-US" smtClean="0"/>
+              <a:rPr lang="ko-KR" altLang="en-US"/>
               <a:t>둘째 수준</a:t>
             </a:r>
           </a:p>
           <a:p>
             <a:pPr lvl="2"/>
             <a:r>
-              <a:rPr lang="ko-KR" altLang="en-US" smtClean="0"/>
+              <a:rPr lang="ko-KR" altLang="en-US"/>
               <a:t>셋째 수준</a:t>
             </a:r>
           </a:p>
           <a:p>
             <a:pPr lvl="3"/>
             <a:r>
-              <a:rPr lang="ko-KR" altLang="en-US" smtClean="0"/>
+              <a:rPr lang="ko-KR" altLang="en-US"/>
               <a:t>넷째 수준</a:t>
             </a:r>
           </a:p>
           <a:p>
             <a:pPr lvl="4"/>
             <a:r>
-              <a:rPr lang="ko-KR" altLang="en-US" smtClean="0"/>
+              <a:rPr lang="ko-KR" altLang="en-US"/>
               <a:t>다섯째 수준</a:t>
             </a:r>
             <a:endParaRPr lang="en-US" dirty="0"/>
@@ -1483,7 +1487,7 @@
           <a:p>
             <a:fld id="{96DFF08F-DC6B-4601-B491-B0F83F6DD2DA}" type="datetimeFigureOut">
               <a:rPr lang="en-US" dirty="0"/>
-              <a:t>3/24/2023</a:t>
+              <a:t>3/26/2023</a:t>
             </a:fld>
             <a:endParaRPr lang="en-US" dirty="0"/>
           </a:p>
@@ -1572,7 +1576,7 @@
           <a:lstStyle/>
           <a:p>
             <a:r>
-              <a:rPr lang="ko-KR" altLang="en-US" smtClean="0"/>
+              <a:rPr lang="ko-KR" altLang="en-US"/>
               <a:t>마스터 제목 스타일 편집</a:t>
             </a:r>
             <a:endParaRPr lang="en-US" dirty="0"/>
@@ -1641,7 +1645,7 @@
           <a:p>
             <a:pPr lvl="0"/>
             <a:r>
-              <a:rPr lang="ko-KR" altLang="en-US" smtClean="0"/>
+              <a:rPr lang="ko-KR" altLang="en-US"/>
               <a:t>마스터 텍스트 스타일을 편집합니다</a:t>
             </a:r>
           </a:p>
@@ -1697,35 +1701,35 @@
           <a:p>
             <a:pPr lvl="0"/>
             <a:r>
-              <a:rPr lang="ko-KR" altLang="en-US" smtClean="0"/>
+              <a:rPr lang="ko-KR" altLang="en-US"/>
               <a:t>마스터 텍스트 스타일을 편집합니다</a:t>
             </a:r>
           </a:p>
           <a:p>
             <a:pPr lvl="1"/>
             <a:r>
-              <a:rPr lang="ko-KR" altLang="en-US" smtClean="0"/>
+              <a:rPr lang="ko-KR" altLang="en-US"/>
               <a:t>둘째 수준</a:t>
             </a:r>
           </a:p>
           <a:p>
             <a:pPr lvl="2"/>
             <a:r>
-              <a:rPr lang="ko-KR" altLang="en-US" smtClean="0"/>
+              <a:rPr lang="ko-KR" altLang="en-US"/>
               <a:t>셋째 수준</a:t>
             </a:r>
           </a:p>
           <a:p>
             <a:pPr lvl="3"/>
             <a:r>
-              <a:rPr lang="ko-KR" altLang="en-US" smtClean="0"/>
+              <a:rPr lang="ko-KR" altLang="en-US"/>
               <a:t>넷째 수준</a:t>
             </a:r>
           </a:p>
           <a:p>
             <a:pPr lvl="4"/>
             <a:r>
-              <a:rPr lang="ko-KR" altLang="en-US" smtClean="0"/>
+              <a:rPr lang="ko-KR" altLang="en-US"/>
               <a:t>다섯째 수준</a:t>
             </a:r>
             <a:endParaRPr lang="en-US" dirty="0"/>
@@ -1794,7 +1798,7 @@
           <a:p>
             <a:pPr lvl="0"/>
             <a:r>
-              <a:rPr lang="ko-KR" altLang="en-US" smtClean="0"/>
+              <a:rPr lang="ko-KR" altLang="en-US"/>
               <a:t>마스터 텍스트 스타일을 편집합니다</a:t>
             </a:r>
           </a:p>
@@ -1850,35 +1854,35 @@
           <a:p>
             <a:pPr lvl="0"/>
             <a:r>
-              <a:rPr lang="ko-KR" altLang="en-US" smtClean="0"/>
+              <a:rPr lang="ko-KR" altLang="en-US"/>
               <a:t>마스터 텍스트 스타일을 편집합니다</a:t>
             </a:r>
           </a:p>
           <a:p>
             <a:pPr lvl="1"/>
             <a:r>
-              <a:rPr lang="ko-KR" altLang="en-US" smtClean="0"/>
+              <a:rPr lang="ko-KR" altLang="en-US"/>
               <a:t>둘째 수준</a:t>
             </a:r>
           </a:p>
           <a:p>
             <a:pPr lvl="2"/>
             <a:r>
-              <a:rPr lang="ko-KR" altLang="en-US" smtClean="0"/>
+              <a:rPr lang="ko-KR" altLang="en-US"/>
               <a:t>셋째 수준</a:t>
             </a:r>
           </a:p>
           <a:p>
             <a:pPr lvl="3"/>
             <a:r>
-              <a:rPr lang="ko-KR" altLang="en-US" smtClean="0"/>
+              <a:rPr lang="ko-KR" altLang="en-US"/>
               <a:t>넷째 수준</a:t>
             </a:r>
           </a:p>
           <a:p>
             <a:pPr lvl="4"/>
             <a:r>
-              <a:rPr lang="ko-KR" altLang="en-US" smtClean="0"/>
+              <a:rPr lang="ko-KR" altLang="en-US"/>
               <a:t>다섯째 수준</a:t>
             </a:r>
             <a:endParaRPr lang="en-US" dirty="0"/>
@@ -1902,7 +1906,7 @@
           <a:p>
             <a:fld id="{96DFF08F-DC6B-4601-B491-B0F83F6DD2DA}" type="datetimeFigureOut">
               <a:rPr lang="en-US" dirty="0"/>
-              <a:t>3/24/2023</a:t>
+              <a:t>3/26/2023</a:t>
             </a:fld>
             <a:endParaRPr lang="en-US" dirty="0"/>
           </a:p>
@@ -1991,7 +1995,7 @@
           <a:lstStyle/>
           <a:p>
             <a:r>
-              <a:rPr lang="ko-KR" altLang="en-US" smtClean="0"/>
+              <a:rPr lang="ko-KR" altLang="en-US"/>
               <a:t>마스터 제목 스타일 편집</a:t>
             </a:r>
             <a:endParaRPr lang="en-US" dirty="0"/>
@@ -2015,7 +2019,7 @@
           <a:p>
             <a:fld id="{96DFF08F-DC6B-4601-B491-B0F83F6DD2DA}" type="datetimeFigureOut">
               <a:rPr lang="en-US" dirty="0"/>
-              <a:t>3/24/2023</a:t>
+              <a:t>3/26/2023</a:t>
             </a:fld>
             <a:endParaRPr lang="en-US" dirty="0"/>
           </a:p>
@@ -2105,7 +2109,7 @@
           <a:p>
             <a:fld id="{96DFF08F-DC6B-4601-B491-B0F83F6DD2DA}" type="datetimeFigureOut">
               <a:rPr lang="en-US" dirty="0"/>
-              <a:t>3/24/2023</a:t>
+              <a:t>3/26/2023</a:t>
             </a:fld>
             <a:endParaRPr lang="en-US" dirty="0"/>
           </a:p>
@@ -2208,7 +2212,7 @@
           </a:lstStyle>
           <a:p>
             <a:r>
-              <a:rPr lang="ko-KR" altLang="en-US" smtClean="0"/>
+              <a:rPr lang="ko-KR" altLang="en-US"/>
               <a:t>마스터 제목 스타일 편집</a:t>
             </a:r>
             <a:endParaRPr lang="en-US" dirty="0"/>
@@ -2265,35 +2269,35 @@
           <a:p>
             <a:pPr lvl="0"/>
             <a:r>
-              <a:rPr lang="ko-KR" altLang="en-US" smtClean="0"/>
+              <a:rPr lang="ko-KR" altLang="en-US"/>
               <a:t>마스터 텍스트 스타일을 편집합니다</a:t>
             </a:r>
           </a:p>
           <a:p>
             <a:pPr lvl="1"/>
             <a:r>
-              <a:rPr lang="ko-KR" altLang="en-US" smtClean="0"/>
+              <a:rPr lang="ko-KR" altLang="en-US"/>
               <a:t>둘째 수준</a:t>
             </a:r>
           </a:p>
           <a:p>
             <a:pPr lvl="2"/>
             <a:r>
-              <a:rPr lang="ko-KR" altLang="en-US" smtClean="0"/>
+              <a:rPr lang="ko-KR" altLang="en-US"/>
               <a:t>셋째 수준</a:t>
             </a:r>
           </a:p>
           <a:p>
             <a:pPr lvl="3"/>
             <a:r>
-              <a:rPr lang="ko-KR" altLang="en-US" smtClean="0"/>
+              <a:rPr lang="ko-KR" altLang="en-US"/>
               <a:t>넷째 수준</a:t>
             </a:r>
           </a:p>
           <a:p>
             <a:pPr lvl="4"/>
             <a:r>
-              <a:rPr lang="ko-KR" altLang="en-US" smtClean="0"/>
+              <a:rPr lang="ko-KR" altLang="en-US"/>
               <a:t>다섯째 수준</a:t>
             </a:r>
             <a:endParaRPr lang="en-US" dirty="0"/>
@@ -2367,7 +2371,7 @@
           <a:p>
             <a:pPr lvl="0"/>
             <a:r>
-              <a:rPr lang="ko-KR" altLang="en-US" smtClean="0"/>
+              <a:rPr lang="ko-KR" altLang="en-US"/>
               <a:t>마스터 텍스트 스타일을 편집합니다</a:t>
             </a:r>
           </a:p>
@@ -2390,7 +2394,7 @@
           <a:p>
             <a:fld id="{96DFF08F-DC6B-4601-B491-B0F83F6DD2DA}" type="datetimeFigureOut">
               <a:rPr lang="en-US" dirty="0"/>
-              <a:t>3/24/2023</a:t>
+              <a:t>3/26/2023</a:t>
             </a:fld>
             <a:endParaRPr lang="en-US" dirty="0"/>
           </a:p>
@@ -2493,7 +2497,7 @@
           </a:lstStyle>
           <a:p>
             <a:r>
-              <a:rPr lang="ko-KR" altLang="en-US" smtClean="0"/>
+              <a:rPr lang="ko-KR" altLang="en-US"/>
               <a:t>마스터 제목 스타일 편집</a:t>
             </a:r>
             <a:endParaRPr lang="en-US" dirty="0"/>
@@ -2560,7 +2564,7 @@
           </a:lstStyle>
           <a:p>
             <a:r>
-              <a:rPr lang="ko-KR" altLang="en-US" smtClean="0"/>
+              <a:rPr lang="ko-KR" altLang="en-US"/>
               <a:t>그림을 추가하려면 아이콘을 클릭하십시오</a:t>
             </a:r>
             <a:endParaRPr lang="en-US" dirty="0"/>
@@ -2634,7 +2638,7 @@
           <a:p>
             <a:pPr lvl="0"/>
             <a:r>
-              <a:rPr lang="ko-KR" altLang="en-US" smtClean="0"/>
+              <a:rPr lang="ko-KR" altLang="en-US"/>
               <a:t>마스터 텍스트 스타일을 편집합니다</a:t>
             </a:r>
           </a:p>
@@ -2657,7 +2661,7 @@
           <a:p>
             <a:fld id="{96DFF08F-DC6B-4601-B491-B0F83F6DD2DA}" type="datetimeFigureOut">
               <a:rPr lang="en-US" dirty="0"/>
-              <a:t>3/24/2023</a:t>
+              <a:t>3/26/2023</a:t>
             </a:fld>
             <a:endParaRPr lang="en-US" dirty="0"/>
           </a:p>
@@ -2804,7 +2808,7 @@
           <a:lstStyle/>
           <a:p>
             <a:r>
-              <a:rPr lang="ko-KR" altLang="en-US" smtClean="0"/>
+              <a:rPr lang="ko-KR" altLang="en-US"/>
               <a:t>마스터 제목 스타일 편집</a:t>
             </a:r>
             <a:endParaRPr lang="en-US" dirty="0"/>
@@ -2838,35 +2842,35 @@
           <a:p>
             <a:pPr lvl="0"/>
             <a:r>
-              <a:rPr lang="ko-KR" altLang="en-US" smtClean="0"/>
+              <a:rPr lang="ko-KR" altLang="en-US"/>
               <a:t>마스터 텍스트 스타일을 편집합니다</a:t>
             </a:r>
           </a:p>
           <a:p>
             <a:pPr lvl="1"/>
             <a:r>
-              <a:rPr lang="ko-KR" altLang="en-US" smtClean="0"/>
+              <a:rPr lang="ko-KR" altLang="en-US"/>
               <a:t>둘째 수준</a:t>
             </a:r>
           </a:p>
           <a:p>
             <a:pPr lvl="2"/>
             <a:r>
-              <a:rPr lang="ko-KR" altLang="en-US" smtClean="0"/>
+              <a:rPr lang="ko-KR" altLang="en-US"/>
               <a:t>셋째 수준</a:t>
             </a:r>
           </a:p>
           <a:p>
             <a:pPr lvl="3"/>
             <a:r>
-              <a:rPr lang="ko-KR" altLang="en-US" smtClean="0"/>
+              <a:rPr lang="ko-KR" altLang="en-US"/>
               <a:t>넷째 수준</a:t>
             </a:r>
           </a:p>
           <a:p>
             <a:pPr lvl="4"/>
             <a:r>
-              <a:rPr lang="ko-KR" altLang="en-US" smtClean="0"/>
+              <a:rPr lang="ko-KR" altLang="en-US"/>
               <a:t>다섯째 수준</a:t>
             </a:r>
             <a:endParaRPr lang="en-US" dirty="0"/>
@@ -2907,7 +2911,7 @@
             <a:fld id="{96DFF08F-DC6B-4601-B491-B0F83F6DD2DA}" type="datetimeFigureOut">
               <a:rPr lang="en-US" dirty="0"/>
               <a:pPr/>
-              <a:t>3/24/2023</a:t>
+              <a:t>3/26/2023</a:t>
             </a:fld>
             <a:endParaRPr lang="en-US" dirty="0"/>
           </a:p>
@@ -3380,7 +3384,7 @@
           <a:lstStyle/>
           <a:p>
             <a:r>
-              <a:rPr lang="ko-KR" altLang="en-US" dirty="0" smtClean="0">
+              <a:rPr lang="ko-KR" altLang="en-US" dirty="0">
                 <a:latin typeface="+mj-ea"/>
                 <a:ea typeface="+mj-ea"/>
               </a:rPr>
@@ -3394,21 +3398,14 @@
               <a:t>6</a:t>
             </a:r>
             <a:r>
-              <a:rPr lang="ko-KR" altLang="en-US" dirty="0" smtClean="0">
+              <a:rPr lang="ko-KR" altLang="en-US" dirty="0">
                 <a:latin typeface="+mj-ea"/>
                 <a:ea typeface="+mj-ea"/>
               </a:rPr>
               <a:t>강</a:t>
             </a:r>
-            <a:r>
-              <a:rPr lang="en-US" altLang="ko-KR" dirty="0" smtClean="0">
-                <a:latin typeface="+mj-ea"/>
-                <a:ea typeface="+mj-ea"/>
-              </a:rPr>
-              <a:t/>
-            </a:r>
             <a:br>
-              <a:rPr lang="en-US" altLang="ko-KR" dirty="0" smtClean="0">
+              <a:rPr lang="en-US" altLang="ko-KR" dirty="0">
                 <a:latin typeface="+mj-ea"/>
                 <a:ea typeface="+mj-ea"/>
               </a:rPr>
@@ -3439,27 +3436,27 @@
           <a:p>
             <a:pPr algn="r"/>
             <a:r>
-              <a:rPr lang="ko-KR" altLang="en-US" sz="3200" dirty="0" smtClean="0">
+              <a:rPr lang="ko-KR" altLang="en-US" sz="3200" dirty="0">
                 <a:latin typeface="+mj-ea"/>
                 <a:ea typeface="+mj-ea"/>
               </a:rPr>
               <a:t>데이터융합</a:t>
             </a:r>
             <a:r>
-              <a:rPr lang="en-US" altLang="ko-KR" sz="3200" dirty="0" smtClean="0">
+              <a:rPr lang="en-US" altLang="ko-KR" sz="3200" dirty="0">
                 <a:latin typeface="+mj-ea"/>
                 <a:ea typeface="+mj-ea"/>
               </a:rPr>
               <a:t>SW</a:t>
             </a:r>
             <a:r>
-              <a:rPr lang="ko-KR" altLang="en-US" sz="3200" dirty="0" smtClean="0">
+              <a:rPr lang="ko-KR" altLang="en-US" sz="3200" dirty="0">
                 <a:latin typeface="+mj-ea"/>
                 <a:ea typeface="+mj-ea"/>
               </a:rPr>
               <a:t>과</a:t>
             </a:r>
-            <a:endParaRPr lang="en-US" altLang="ko-KR" sz="3200" dirty="0" smtClean="0">
+            <a:endParaRPr lang="en-US" altLang="ko-KR" sz="3200" dirty="0">
               <a:latin typeface="+mj-ea"/>
               <a:ea typeface="+mj-ea"/>
             </a:endParaRPr>
@@ -3467,13 +3464,13 @@
           <a:p>
             <a:pPr algn="r"/>
             <a:r>
-              <a:rPr lang="ko-KR" altLang="en-US" sz="3200" dirty="0" smtClean="0">
+              <a:rPr lang="ko-KR" altLang="en-US" sz="3200" dirty="0">
                 <a:latin typeface="+mj-ea"/>
                 <a:ea typeface="+mj-ea"/>
               </a:rPr>
               <a:t>노을</a:t>
             </a:r>
-            <a:endParaRPr lang="en-US" altLang="ko-KR" sz="3200" dirty="0" smtClean="0">
+            <a:endParaRPr lang="en-US" altLang="ko-KR" sz="3200" dirty="0">
               <a:latin typeface="+mj-ea"/>
               <a:ea typeface="+mj-ea"/>
             </a:endParaRPr>
@@ -3490,13 +3487,6 @@
   <p:clrMapOvr>
     <a:masterClrMapping/>
   </p:clrMapOvr>
-  <p:timing>
-    <p:tnLst>
-      <p:par>
-        <p:cTn id="1" dur="indefinite" restart="never" nodeType="tmRoot"/>
-      </p:par>
-    </p:tnLst>
-  </p:timing>
 </p:sld>
 </file>
 
@@ -3541,14 +3531,13 @@
           <a:p>
             <a:pPr algn="ctr"/>
             <a:r>
-              <a:rPr lang="ko-KR" altLang="en-US" sz="4000" dirty="0" err="1" smtClean="0"/>
+              <a:rPr lang="ko-KR" altLang="en-US" sz="4000" dirty="0" err="1"/>
               <a:t>메소드</a:t>
             </a:r>
             <a:r>
-              <a:rPr lang="ko-KR" altLang="en-US" sz="4000" dirty="0" smtClean="0"/>
+              <a:rPr lang="ko-KR" altLang="en-US" sz="4000" dirty="0"/>
               <a:t> 오버로딩</a:t>
             </a:r>
-            <a:endParaRPr lang="ko-KR" altLang="en-US" sz="4000" dirty="0"/>
           </a:p>
         </p:txBody>
       </p:sp>
@@ -3610,13 +3599,6 @@
   <p:clrMapOvr>
     <a:masterClrMapping/>
   </p:clrMapOvr>
-  <p:timing>
-    <p:tnLst>
-      <p:par>
-        <p:cTn id="1" dur="indefinite" restart="never" nodeType="tmRoot"/>
-      </p:par>
-    </p:tnLst>
-  </p:timing>
 </p:sld>
 </file>
 
@@ -3671,13 +3653,6 @@
   <p:clrMapOvr>
     <a:masterClrMapping/>
   </p:clrMapOvr>
-  <p:timing>
-    <p:tnLst>
-      <p:par>
-        <p:cTn id="1" dur="indefinite" restart="never" nodeType="tmRoot"/>
-      </p:par>
-    </p:tnLst>
-  </p:timing>
 </p:sld>
 </file>
 
@@ -3732,13 +3707,6 @@
   <p:clrMapOvr>
     <a:masterClrMapping/>
   </p:clrMapOvr>
-  <p:timing>
-    <p:tnLst>
-      <p:par>
-        <p:cTn id="1" dur="indefinite" restart="never" nodeType="tmRoot"/>
-      </p:par>
-    </p:tnLst>
-  </p:timing>
 </p:sld>
 </file>
 
@@ -3793,13 +3761,6 @@
   <p:clrMapOvr>
     <a:masterClrMapping/>
   </p:clrMapOvr>
-  <p:timing>
-    <p:tnLst>
-      <p:par>
-        <p:cTn id="1" dur="indefinite" restart="never" nodeType="tmRoot"/>
-      </p:par>
-    </p:tnLst>
-  </p:timing>
 </p:sld>
 </file>
 
@@ -3844,7 +3805,7 @@
           <a:p>
             <a:pPr algn="ctr"/>
             <a:r>
-              <a:rPr lang="ko-KR" altLang="en-US" sz="4000" dirty="0" err="1" smtClean="0"/>
+              <a:rPr lang="ko-KR" altLang="en-US" sz="4000" dirty="0" err="1"/>
               <a:t>계단오르기</a:t>
             </a:r>
             <a:endParaRPr lang="ko-KR" altLang="en-US" sz="4000" dirty="0"/>
@@ -3853,7 +3814,7 @@
       </p:sp>
       <p:pic>
         <p:nvPicPr>
-          <p:cNvPr id="8" name="그림 7"/>
+          <p:cNvPr id="9" name="그림 8"/>
           <p:cNvPicPr>
             <a:picLocks noChangeAspect="1"/>
           </p:cNvPicPr>
@@ -3867,8 +3828,8 @@
         </p:blipFill>
         <p:spPr>
           <a:xfrm>
-            <a:off x="248078" y="1284051"/>
-            <a:ext cx="6369290" cy="5130816"/>
+            <a:off x="6234992" y="1380303"/>
+            <a:ext cx="5537227" cy="4539137"/>
           </a:xfrm>
           <a:prstGeom prst="rect">
             <a:avLst/>
@@ -3877,7 +3838,13 @@
       </p:pic>
       <p:pic>
         <p:nvPicPr>
-          <p:cNvPr id="9" name="그림 8"/>
+          <p:cNvPr id="4" name="그림 3">
+            <a:extLst>
+              <a:ext uri="{FF2B5EF4-FFF2-40B4-BE49-F238E27FC236}">
+                <a16:creationId xmlns:a16="http://schemas.microsoft.com/office/drawing/2014/main" id="{B4BC975C-A586-043E-68B6-A8B9341E4698}"/>
+              </a:ext>
+            </a:extLst>
+          </p:cNvPr>
           <p:cNvPicPr>
             <a:picLocks noChangeAspect="1"/>
           </p:cNvPicPr>
@@ -3891,8 +3858,8 @@
         </p:blipFill>
         <p:spPr>
           <a:xfrm>
-            <a:off x="6376215" y="1284051"/>
-            <a:ext cx="5537227" cy="4539137"/>
+            <a:off x="278558" y="1284051"/>
+            <a:ext cx="5817442" cy="5298779"/>
           </a:xfrm>
           <a:prstGeom prst="rect">
             <a:avLst/>
@@ -3909,13 +3876,6 @@
   <p:clrMapOvr>
     <a:masterClrMapping/>
   </p:clrMapOvr>
-  <p:timing>
-    <p:tnLst>
-      <p:par>
-        <p:cTn id="1" dur="indefinite" restart="never" nodeType="tmRoot"/>
-      </p:par>
-    </p:tnLst>
-  </p:timing>
 </p:sld>
 </file>
 
@@ -3938,7 +3898,13 @@
       </p:grpSpPr>
       <p:pic>
         <p:nvPicPr>
-          <p:cNvPr id="3" name="그림 2"/>
+          <p:cNvPr id="4" name="그림 3">
+            <a:extLst>
+              <a:ext uri="{FF2B5EF4-FFF2-40B4-BE49-F238E27FC236}">
+                <a16:creationId xmlns:a16="http://schemas.microsoft.com/office/drawing/2014/main" id="{361534C1-47CC-9B45-3D97-48129923C9E0}"/>
+              </a:ext>
+            </a:extLst>
+          </p:cNvPr>
           <p:cNvPicPr>
             <a:picLocks noChangeAspect="1"/>
           </p:cNvPicPr>
@@ -3952,8 +3918,8 @@
         </p:blipFill>
         <p:spPr>
           <a:xfrm>
-            <a:off x="496182" y="350196"/>
-            <a:ext cx="3844206" cy="6225702"/>
+            <a:off x="423787" y="245443"/>
+            <a:ext cx="3061664" cy="6367113"/>
           </a:xfrm>
           <a:prstGeom prst="rect">
             <a:avLst/>
@@ -3970,13 +3936,6 @@
   <p:clrMapOvr>
     <a:masterClrMapping/>
   </p:clrMapOvr>
-  <p:timing>
-    <p:tnLst>
-      <p:par>
-        <p:cTn id="1" dur="indefinite" restart="never" nodeType="tmRoot"/>
-      </p:par>
-    </p:tnLst>
-  </p:timing>
 </p:sld>
 </file>
 
@@ -4007,15 +3966,86 @@
             <p:ph type="title"/>
           </p:nvPr>
         </p:nvSpPr>
-        <p:spPr/>
-        <p:txBody>
-          <a:bodyPr/>
+        <p:spPr>
+          <a:xfrm>
+            <a:off x="1143000" y="609600"/>
+            <a:ext cx="9875520" cy="577516"/>
+          </a:xfrm>
+        </p:spPr>
+        <p:txBody>
+          <a:bodyPr>
+            <a:noAutofit/>
+          </a:bodyPr>
           <a:lstStyle/>
           <a:p>
-            <a:endParaRPr lang="ko-KR" altLang="en-US"/>
-          </a:p>
-        </p:txBody>
-      </p:sp>
+            <a:pPr algn="ctr"/>
+            <a:r>
+              <a:rPr lang="ko-KR" altLang="en-US" sz="4000" dirty="0"/>
+              <a:t>생성자 실습하기</a:t>
+            </a:r>
+          </a:p>
+        </p:txBody>
+      </p:sp>
+      <p:pic>
+        <p:nvPicPr>
+          <p:cNvPr id="14" name="그림 13">
+            <a:extLst>
+              <a:ext uri="{FF2B5EF4-FFF2-40B4-BE49-F238E27FC236}">
+                <a16:creationId xmlns:a16="http://schemas.microsoft.com/office/drawing/2014/main" id="{34334846-CEC4-EEC9-D595-7FB83B981A6A}"/>
+              </a:ext>
+            </a:extLst>
+          </p:cNvPr>
+          <p:cNvPicPr>
+            <a:picLocks noChangeAspect="1"/>
+          </p:cNvPicPr>
+          <p:nvPr/>
+        </p:nvPicPr>
+        <p:blipFill>
+          <a:blip r:embed="rId2"/>
+          <a:stretch>
+            <a:fillRect/>
+          </a:stretch>
+        </p:blipFill>
+        <p:spPr>
+          <a:xfrm>
+            <a:off x="233065" y="1187116"/>
+            <a:ext cx="5205209" cy="5362725"/>
+          </a:xfrm>
+          <a:prstGeom prst="rect">
+            <a:avLst/>
+          </a:prstGeom>
+        </p:spPr>
+      </p:pic>
+      <p:pic>
+        <p:nvPicPr>
+          <p:cNvPr id="16" name="그림 15">
+            <a:extLst>
+              <a:ext uri="{FF2B5EF4-FFF2-40B4-BE49-F238E27FC236}">
+                <a16:creationId xmlns:a16="http://schemas.microsoft.com/office/drawing/2014/main" id="{C21D07FB-4AA6-0B8A-B50A-F9421A2D27CC}"/>
+              </a:ext>
+            </a:extLst>
+          </p:cNvPr>
+          <p:cNvPicPr>
+            <a:picLocks noChangeAspect="1"/>
+          </p:cNvPicPr>
+          <p:nvPr/>
+        </p:nvPicPr>
+        <p:blipFill>
+          <a:blip r:embed="rId3"/>
+          <a:stretch>
+            <a:fillRect/>
+          </a:stretch>
+        </p:blipFill>
+        <p:spPr>
+          <a:xfrm>
+            <a:off x="4990563" y="1187116"/>
+            <a:ext cx="6802326" cy="5362725"/>
+          </a:xfrm>
+          <a:prstGeom prst="rect">
+            <a:avLst/>
+          </a:prstGeom>
+        </p:spPr>
+      </p:pic>
     </p:spTree>
     <p:extLst>
       <p:ext uri="{BB962C8B-B14F-4D97-AF65-F5344CB8AC3E}">
@@ -4026,13 +4056,421 @@
   <p:clrMapOvr>
     <a:masterClrMapping/>
   </p:clrMapOvr>
-  <p:timing>
-    <p:tnLst>
-      <p:par>
-        <p:cTn id="1" dur="indefinite" restart="never" nodeType="tmRoot"/>
-      </p:par>
-    </p:tnLst>
-  </p:timing>
+</p:sld>
+</file>
+
+<file path=ppt/slides/slide17.xml><?xml version="1.0" encoding="utf-8"?>
+<p:sld xmlns:a="http://schemas.openxmlformats.org/drawingml/2006/main" xmlns:r="http://schemas.openxmlformats.org/officeDocument/2006/relationships" xmlns:p="http://schemas.openxmlformats.org/presentationml/2006/main">
+  <p:cSld>
+    <p:spTree>
+      <p:nvGrpSpPr>
+        <p:cNvPr id="1" name=""/>
+        <p:cNvGrpSpPr/>
+        <p:nvPr/>
+      </p:nvGrpSpPr>
+      <p:grpSpPr>
+        <a:xfrm>
+          <a:off x="0" y="0"/>
+          <a:ext cx="0" cy="0"/>
+          <a:chOff x="0" y="0"/>
+          <a:chExt cx="0" cy="0"/>
+        </a:xfrm>
+      </p:grpSpPr>
+      <p:pic>
+        <p:nvPicPr>
+          <p:cNvPr id="12" name="그림 11">
+            <a:extLst>
+              <a:ext uri="{FF2B5EF4-FFF2-40B4-BE49-F238E27FC236}">
+                <a16:creationId xmlns:a16="http://schemas.microsoft.com/office/drawing/2014/main" id="{02EFEECE-E0EA-4F11-6E83-30B92B79C054}"/>
+              </a:ext>
+            </a:extLst>
+          </p:cNvPr>
+          <p:cNvPicPr>
+            <a:picLocks noChangeAspect="1"/>
+          </p:cNvPicPr>
+          <p:nvPr/>
+        </p:nvPicPr>
+        <p:blipFill>
+          <a:blip r:embed="rId2"/>
+          <a:stretch>
+            <a:fillRect/>
+          </a:stretch>
+        </p:blipFill>
+        <p:spPr>
+          <a:xfrm>
+            <a:off x="542264" y="4569926"/>
+            <a:ext cx="6108186" cy="1157106"/>
+          </a:xfrm>
+          <a:prstGeom prst="rect">
+            <a:avLst/>
+          </a:prstGeom>
+        </p:spPr>
+      </p:pic>
+      <p:pic>
+        <p:nvPicPr>
+          <p:cNvPr id="14" name="그림 13">
+            <a:extLst>
+              <a:ext uri="{FF2B5EF4-FFF2-40B4-BE49-F238E27FC236}">
+                <a16:creationId xmlns:a16="http://schemas.microsoft.com/office/drawing/2014/main" id="{EF139EEF-F7F2-0F30-4B88-4957E900BBF0}"/>
+              </a:ext>
+            </a:extLst>
+          </p:cNvPr>
+          <p:cNvPicPr>
+            <a:picLocks noChangeAspect="1"/>
+          </p:cNvPicPr>
+          <p:nvPr/>
+        </p:nvPicPr>
+        <p:blipFill>
+          <a:blip r:embed="rId3"/>
+          <a:stretch>
+            <a:fillRect/>
+          </a:stretch>
+        </p:blipFill>
+        <p:spPr>
+          <a:xfrm>
+            <a:off x="7362245" y="474333"/>
+            <a:ext cx="4027650" cy="5909333"/>
+          </a:xfrm>
+          <a:prstGeom prst="rect">
+            <a:avLst/>
+          </a:prstGeom>
+        </p:spPr>
+      </p:pic>
+      <p:pic>
+        <p:nvPicPr>
+          <p:cNvPr id="16" name="그림 15">
+            <a:extLst>
+              <a:ext uri="{FF2B5EF4-FFF2-40B4-BE49-F238E27FC236}">
+                <a16:creationId xmlns:a16="http://schemas.microsoft.com/office/drawing/2014/main" id="{A9E4EAC2-D306-A3F5-5BCF-05DD4A130EB7}"/>
+              </a:ext>
+            </a:extLst>
+          </p:cNvPr>
+          <p:cNvPicPr>
+            <a:picLocks noChangeAspect="1"/>
+          </p:cNvPicPr>
+          <p:nvPr/>
+        </p:nvPicPr>
+        <p:blipFill>
+          <a:blip r:embed="rId4"/>
+          <a:stretch>
+            <a:fillRect/>
+          </a:stretch>
+        </p:blipFill>
+        <p:spPr>
+          <a:xfrm>
+            <a:off x="542264" y="492360"/>
+            <a:ext cx="6824784" cy="4077565"/>
+          </a:xfrm>
+          <a:prstGeom prst="rect">
+            <a:avLst/>
+          </a:prstGeom>
+        </p:spPr>
+      </p:pic>
+    </p:spTree>
+    <p:extLst>
+      <p:ext uri="{BB962C8B-B14F-4D97-AF65-F5344CB8AC3E}">
+        <p14:creationId xmlns:p14="http://schemas.microsoft.com/office/powerpoint/2010/main" val="2012755952"/>
+      </p:ext>
+    </p:extLst>
+  </p:cSld>
+  <p:clrMapOvr>
+    <a:masterClrMapping/>
+  </p:clrMapOvr>
+</p:sld>
+</file>
+
+<file path=ppt/slides/slide18.xml><?xml version="1.0" encoding="utf-8"?>
+<p:sld xmlns:a="http://schemas.openxmlformats.org/drawingml/2006/main" xmlns:r="http://schemas.openxmlformats.org/officeDocument/2006/relationships" xmlns:p="http://schemas.openxmlformats.org/presentationml/2006/main">
+  <p:cSld>
+    <p:spTree>
+      <p:nvGrpSpPr>
+        <p:cNvPr id="1" name=""/>
+        <p:cNvGrpSpPr/>
+        <p:nvPr/>
+      </p:nvGrpSpPr>
+      <p:grpSpPr>
+        <a:xfrm>
+          <a:off x="0" y="0"/>
+          <a:ext cx="0" cy="0"/>
+          <a:chOff x="0" y="0"/>
+          <a:chExt cx="0" cy="0"/>
+        </a:xfrm>
+      </p:grpSpPr>
+      <p:sp>
+        <p:nvSpPr>
+          <p:cNvPr id="2" name="제목 1">
+            <a:extLst>
+              <a:ext uri="{FF2B5EF4-FFF2-40B4-BE49-F238E27FC236}">
+                <a16:creationId xmlns:a16="http://schemas.microsoft.com/office/drawing/2014/main" id="{BBD2728C-78B4-2780-7D87-584923362880}"/>
+              </a:ext>
+            </a:extLst>
+          </p:cNvPr>
+          <p:cNvSpPr>
+            <a:spLocks noGrp="1"/>
+          </p:cNvSpPr>
+          <p:nvPr>
+            <p:ph type="title"/>
+          </p:nvPr>
+        </p:nvSpPr>
+        <p:spPr>
+          <a:xfrm>
+            <a:off x="1143000" y="609600"/>
+            <a:ext cx="9875520" cy="641684"/>
+          </a:xfrm>
+        </p:spPr>
+        <p:txBody>
+          <a:bodyPr>
+            <a:normAutofit/>
+          </a:bodyPr>
+          <a:lstStyle/>
+          <a:p>
+            <a:pPr algn="ctr"/>
+            <a:r>
+              <a:rPr lang="ko-KR" altLang="en-US" sz="4000" dirty="0"/>
+              <a:t>상속 클래스</a:t>
+            </a:r>
+          </a:p>
+        </p:txBody>
+      </p:sp>
+      <p:pic>
+        <p:nvPicPr>
+          <p:cNvPr id="6" name="그림 5">
+            <a:extLst>
+              <a:ext uri="{FF2B5EF4-FFF2-40B4-BE49-F238E27FC236}">
+                <a16:creationId xmlns:a16="http://schemas.microsoft.com/office/drawing/2014/main" id="{12B1640E-33AC-0D10-F6EC-4A69FEAE7E6B}"/>
+              </a:ext>
+            </a:extLst>
+          </p:cNvPr>
+          <p:cNvPicPr>
+            <a:picLocks noChangeAspect="1"/>
+          </p:cNvPicPr>
+          <p:nvPr/>
+        </p:nvPicPr>
+        <p:blipFill>
+          <a:blip r:embed="rId2"/>
+          <a:stretch>
+            <a:fillRect/>
+          </a:stretch>
+        </p:blipFill>
+        <p:spPr>
+          <a:xfrm>
+            <a:off x="8986854" y="1447130"/>
+            <a:ext cx="2505010" cy="4801270"/>
+          </a:xfrm>
+          <a:prstGeom prst="rect">
+            <a:avLst/>
+          </a:prstGeom>
+        </p:spPr>
+      </p:pic>
+      <p:pic>
+        <p:nvPicPr>
+          <p:cNvPr id="8" name="그림 7">
+            <a:extLst>
+              <a:ext uri="{FF2B5EF4-FFF2-40B4-BE49-F238E27FC236}">
+                <a16:creationId xmlns:a16="http://schemas.microsoft.com/office/drawing/2014/main" id="{CA577D8C-6FD4-E83B-D768-1AC47E0B5767}"/>
+              </a:ext>
+            </a:extLst>
+          </p:cNvPr>
+          <p:cNvPicPr>
+            <a:picLocks noChangeAspect="1"/>
+          </p:cNvPicPr>
+          <p:nvPr/>
+        </p:nvPicPr>
+        <p:blipFill>
+          <a:blip r:embed="rId3"/>
+          <a:stretch>
+            <a:fillRect/>
+          </a:stretch>
+        </p:blipFill>
+        <p:spPr>
+          <a:xfrm>
+            <a:off x="366854" y="1447131"/>
+            <a:ext cx="8620000" cy="4801269"/>
+          </a:xfrm>
+          <a:prstGeom prst="rect">
+            <a:avLst/>
+          </a:prstGeom>
+        </p:spPr>
+      </p:pic>
+    </p:spTree>
+    <p:extLst>
+      <p:ext uri="{BB962C8B-B14F-4D97-AF65-F5344CB8AC3E}">
+        <p14:creationId xmlns:p14="http://schemas.microsoft.com/office/powerpoint/2010/main" val="4248378423"/>
+      </p:ext>
+    </p:extLst>
+  </p:cSld>
+  <p:clrMapOvr>
+    <a:masterClrMapping/>
+  </p:clrMapOvr>
+</p:sld>
+</file>
+
+<file path=ppt/slides/slide19.xml><?xml version="1.0" encoding="utf-8"?>
+<p:sld xmlns:a="http://schemas.openxmlformats.org/drawingml/2006/main" xmlns:r="http://schemas.openxmlformats.org/officeDocument/2006/relationships" xmlns:p="http://schemas.openxmlformats.org/presentationml/2006/main">
+  <p:cSld>
+    <p:spTree>
+      <p:nvGrpSpPr>
+        <p:cNvPr id="1" name=""/>
+        <p:cNvGrpSpPr/>
+        <p:nvPr/>
+      </p:nvGrpSpPr>
+      <p:grpSpPr>
+        <a:xfrm>
+          <a:off x="0" y="0"/>
+          <a:ext cx="0" cy="0"/>
+          <a:chOff x="0" y="0"/>
+          <a:chExt cx="0" cy="0"/>
+        </a:xfrm>
+      </p:grpSpPr>
+      <p:sp>
+        <p:nvSpPr>
+          <p:cNvPr id="2" name="TextBox 1">
+            <a:extLst>
+              <a:ext uri="{FF2B5EF4-FFF2-40B4-BE49-F238E27FC236}">
+                <a16:creationId xmlns:a16="http://schemas.microsoft.com/office/drawing/2014/main" id="{D83BC4DB-798C-9537-8B0C-E65379A992B7}"/>
+              </a:ext>
+            </a:extLst>
+          </p:cNvPr>
+          <p:cNvSpPr txBox="1"/>
+          <p:nvPr/>
+        </p:nvSpPr>
+        <p:spPr>
+          <a:xfrm>
+            <a:off x="1708484" y="513348"/>
+            <a:ext cx="8775032" cy="707886"/>
+          </a:xfrm>
+          <a:prstGeom prst="rect">
+            <a:avLst/>
+          </a:prstGeom>
+          <a:noFill/>
+        </p:spPr>
+        <p:txBody>
+          <a:bodyPr wrap="square" rtlCol="0">
+            <a:spAutoFit/>
+          </a:bodyPr>
+          <a:lstStyle/>
+          <a:p>
+            <a:r>
+              <a:rPr lang="en-US" altLang="ko-KR" sz="4000" dirty="0">
+                <a:solidFill>
+                  <a:schemeClr val="accent1"/>
+                </a:solidFill>
+                <a:latin typeface="+mn-ea"/>
+              </a:rPr>
+              <a:t>Inheritance </a:t>
+            </a:r>
+            <a:r>
+              <a:rPr lang="ko-KR" altLang="en-US" sz="4000" dirty="0">
+                <a:solidFill>
+                  <a:schemeClr val="accent1"/>
+                </a:solidFill>
+                <a:latin typeface="+mn-ea"/>
+              </a:rPr>
+              <a:t>상속 클래스 실습하기</a:t>
+            </a:r>
+          </a:p>
+        </p:txBody>
+      </p:sp>
+      <p:pic>
+        <p:nvPicPr>
+          <p:cNvPr id="6" name="그림 5">
+            <a:extLst>
+              <a:ext uri="{FF2B5EF4-FFF2-40B4-BE49-F238E27FC236}">
+                <a16:creationId xmlns:a16="http://schemas.microsoft.com/office/drawing/2014/main" id="{E664C9E0-7D04-6EF9-9EA3-8A06B1F74BB4}"/>
+              </a:ext>
+            </a:extLst>
+          </p:cNvPr>
+          <p:cNvPicPr>
+            <a:picLocks noChangeAspect="1"/>
+          </p:cNvPicPr>
+          <p:nvPr/>
+        </p:nvPicPr>
+        <p:blipFill>
+          <a:blip r:embed="rId2"/>
+          <a:stretch>
+            <a:fillRect/>
+          </a:stretch>
+        </p:blipFill>
+        <p:spPr>
+          <a:xfrm>
+            <a:off x="708536" y="5575757"/>
+            <a:ext cx="5288738" cy="916962"/>
+          </a:xfrm>
+          <a:prstGeom prst="rect">
+            <a:avLst/>
+          </a:prstGeom>
+        </p:spPr>
+      </p:pic>
+      <p:pic>
+        <p:nvPicPr>
+          <p:cNvPr id="8" name="그림 7">
+            <a:extLst>
+              <a:ext uri="{FF2B5EF4-FFF2-40B4-BE49-F238E27FC236}">
+                <a16:creationId xmlns:a16="http://schemas.microsoft.com/office/drawing/2014/main" id="{D7B2DD56-53CB-2423-DA77-61C9469F1A88}"/>
+              </a:ext>
+            </a:extLst>
+          </p:cNvPr>
+          <p:cNvPicPr>
+            <a:picLocks noChangeAspect="1"/>
+          </p:cNvPicPr>
+          <p:nvPr/>
+        </p:nvPicPr>
+        <p:blipFill>
+          <a:blip r:embed="rId3"/>
+          <a:stretch>
+            <a:fillRect/>
+          </a:stretch>
+        </p:blipFill>
+        <p:spPr>
+          <a:xfrm>
+            <a:off x="8188512" y="1221233"/>
+            <a:ext cx="3062636" cy="5385256"/>
+          </a:xfrm>
+          <a:prstGeom prst="rect">
+            <a:avLst/>
+          </a:prstGeom>
+        </p:spPr>
+      </p:pic>
+      <p:pic>
+        <p:nvPicPr>
+          <p:cNvPr id="10" name="그림 9">
+            <a:extLst>
+              <a:ext uri="{FF2B5EF4-FFF2-40B4-BE49-F238E27FC236}">
+                <a16:creationId xmlns:a16="http://schemas.microsoft.com/office/drawing/2014/main" id="{E8B43C21-0C38-A3E9-BE72-F47D31C4791F}"/>
+              </a:ext>
+            </a:extLst>
+          </p:cNvPr>
+          <p:cNvPicPr>
+            <a:picLocks noChangeAspect="1"/>
+          </p:cNvPicPr>
+          <p:nvPr/>
+        </p:nvPicPr>
+        <p:blipFill>
+          <a:blip r:embed="rId4"/>
+          <a:stretch>
+            <a:fillRect/>
+          </a:stretch>
+        </p:blipFill>
+        <p:spPr>
+          <a:xfrm>
+            <a:off x="708536" y="1221233"/>
+            <a:ext cx="5723632" cy="4354524"/>
+          </a:xfrm>
+          <a:prstGeom prst="rect">
+            <a:avLst/>
+          </a:prstGeom>
+        </p:spPr>
+      </p:pic>
+    </p:spTree>
+    <p:extLst>
+      <p:ext uri="{BB962C8B-B14F-4D97-AF65-F5344CB8AC3E}">
+        <p14:creationId xmlns:p14="http://schemas.microsoft.com/office/powerpoint/2010/main" val="749994737"/>
+      </p:ext>
+    </p:extLst>
+  </p:cSld>
+  <p:clrMapOvr>
+    <a:masterClrMapping/>
+  </p:clrMapOvr>
 </p:sld>
 </file>
 
@@ -4077,7 +4515,7 @@
           <a:p>
             <a:pPr algn="ctr"/>
             <a:r>
-              <a:rPr lang="en-US" altLang="ko-KR" sz="4000" dirty="0" err="1" smtClean="0"/>
+              <a:rPr lang="en-US" altLang="ko-KR" sz="4000" dirty="0" err="1"/>
               <a:t>MethodTest</a:t>
             </a:r>
             <a:endParaRPr lang="ko-KR" altLang="en-US" sz="4000" dirty="0"/>
@@ -4136,6 +4574,137 @@
     <p:extLst>
       <p:ext uri="{BB962C8B-B14F-4D97-AF65-F5344CB8AC3E}">
         <p14:creationId xmlns:p14="http://schemas.microsoft.com/office/powerpoint/2010/main" val="3589347883"/>
+      </p:ext>
+    </p:extLst>
+  </p:cSld>
+  <p:clrMapOvr>
+    <a:masterClrMapping/>
+  </p:clrMapOvr>
+</p:sld>
+</file>
+
+<file path=ppt/slides/slide20.xml><?xml version="1.0" encoding="utf-8"?>
+<p:sld xmlns:a="http://schemas.openxmlformats.org/drawingml/2006/main" xmlns:r="http://schemas.openxmlformats.org/officeDocument/2006/relationships" xmlns:p="http://schemas.openxmlformats.org/presentationml/2006/main">
+  <p:cSld>
+    <p:spTree>
+      <p:nvGrpSpPr>
+        <p:cNvPr id="1" name=""/>
+        <p:cNvGrpSpPr/>
+        <p:nvPr/>
+      </p:nvGrpSpPr>
+      <p:grpSpPr>
+        <a:xfrm>
+          <a:off x="0" y="0"/>
+          <a:ext cx="0" cy="0"/>
+          <a:chOff x="0" y="0"/>
+          <a:chExt cx="0" cy="0"/>
+        </a:xfrm>
+      </p:grpSpPr>
+      <p:sp>
+        <p:nvSpPr>
+          <p:cNvPr id="2" name="제목 1">
+            <a:extLst>
+              <a:ext uri="{FF2B5EF4-FFF2-40B4-BE49-F238E27FC236}">
+                <a16:creationId xmlns:a16="http://schemas.microsoft.com/office/drawing/2014/main" id="{0312CE02-893D-2E61-66DB-53EA126B91B1}"/>
+              </a:ext>
+            </a:extLst>
+          </p:cNvPr>
+          <p:cNvSpPr>
+            <a:spLocks noGrp="1"/>
+          </p:cNvSpPr>
+          <p:nvPr>
+            <p:ph type="title"/>
+          </p:nvPr>
+        </p:nvSpPr>
+        <p:spPr>
+          <a:xfrm>
+            <a:off x="1143000" y="609600"/>
+            <a:ext cx="9875520" cy="721895"/>
+          </a:xfrm>
+        </p:spPr>
+        <p:txBody>
+          <a:bodyPr>
+            <a:normAutofit/>
+          </a:bodyPr>
+          <a:lstStyle/>
+          <a:p>
+            <a:pPr algn="ctr"/>
+            <a:r>
+              <a:rPr lang="en-US" altLang="ko-KR" sz="4000" dirty="0">
+                <a:latin typeface="+mj-ea"/>
+              </a:rPr>
+              <a:t>Elevater3 Overriding</a:t>
+            </a:r>
+            <a:endParaRPr lang="ko-KR" altLang="en-US" sz="4000" dirty="0">
+              <a:latin typeface="+mj-ea"/>
+            </a:endParaRPr>
+          </a:p>
+        </p:txBody>
+      </p:sp>
+      <p:pic>
+        <p:nvPicPr>
+          <p:cNvPr id="4" name="그림 3">
+            <a:extLst>
+              <a:ext uri="{FF2B5EF4-FFF2-40B4-BE49-F238E27FC236}">
+                <a16:creationId xmlns:a16="http://schemas.microsoft.com/office/drawing/2014/main" id="{052CB74B-1A56-9ED3-A4A7-85B417164948}"/>
+              </a:ext>
+            </a:extLst>
+          </p:cNvPr>
+          <p:cNvPicPr>
+            <a:picLocks noChangeAspect="1"/>
+          </p:cNvPicPr>
+          <p:nvPr/>
+        </p:nvPicPr>
+        <p:blipFill>
+          <a:blip r:embed="rId2"/>
+          <a:stretch>
+            <a:fillRect/>
+          </a:stretch>
+        </p:blipFill>
+        <p:spPr>
+          <a:xfrm>
+            <a:off x="1173480" y="1198946"/>
+            <a:ext cx="6661490" cy="5315204"/>
+          </a:xfrm>
+          <a:prstGeom prst="rect">
+            <a:avLst/>
+          </a:prstGeom>
+        </p:spPr>
+      </p:pic>
+      <p:pic>
+        <p:nvPicPr>
+          <p:cNvPr id="6" name="그림 5">
+            <a:extLst>
+              <a:ext uri="{FF2B5EF4-FFF2-40B4-BE49-F238E27FC236}">
+                <a16:creationId xmlns:a16="http://schemas.microsoft.com/office/drawing/2014/main" id="{9BB70369-C388-2A24-E384-B0E0D4453F68}"/>
+              </a:ext>
+            </a:extLst>
+          </p:cNvPr>
+          <p:cNvPicPr>
+            <a:picLocks noChangeAspect="1"/>
+          </p:cNvPicPr>
+          <p:nvPr/>
+        </p:nvPicPr>
+        <p:blipFill>
+          <a:blip r:embed="rId3"/>
+          <a:stretch>
+            <a:fillRect/>
+          </a:stretch>
+        </p:blipFill>
+        <p:spPr>
+          <a:xfrm>
+            <a:off x="9285633" y="1331495"/>
+            <a:ext cx="1911757" cy="5182655"/>
+          </a:xfrm>
+          <a:prstGeom prst="rect">
+            <a:avLst/>
+          </a:prstGeom>
+        </p:spPr>
+      </p:pic>
+    </p:spTree>
+    <p:extLst>
+      <p:ext uri="{BB962C8B-B14F-4D97-AF65-F5344CB8AC3E}">
+        <p14:creationId xmlns:p14="http://schemas.microsoft.com/office/powerpoint/2010/main" val="3937590747"/>
       </p:ext>
     </p:extLst>
   </p:cSld>
@@ -4186,22 +4755,21 @@
           <a:p>
             <a:pPr algn="ctr"/>
             <a:r>
-              <a:rPr lang="ko-KR" altLang="en-US" sz="4000" dirty="0" err="1" smtClean="0"/>
+              <a:rPr lang="ko-KR" altLang="en-US" sz="4000" dirty="0" err="1"/>
               <a:t>이마트</a:t>
             </a:r>
             <a:r>
-              <a:rPr lang="ko-KR" altLang="en-US" sz="4000" dirty="0" smtClean="0"/>
+              <a:rPr lang="ko-KR" altLang="en-US" sz="4000" dirty="0"/>
               <a:t> 영수증 </a:t>
             </a:r>
             <a:r>
-              <a:rPr lang="ko-KR" altLang="en-US" sz="4000" dirty="0" err="1" smtClean="0"/>
+              <a:rPr lang="ko-KR" altLang="en-US" sz="4000" dirty="0" err="1"/>
               <a:t>메서드</a:t>
             </a:r>
             <a:r>
-              <a:rPr lang="ko-KR" altLang="en-US" sz="4000" dirty="0" smtClean="0"/>
+              <a:rPr lang="ko-KR" altLang="en-US" sz="4000" dirty="0"/>
               <a:t> 나누기</a:t>
             </a:r>
-            <a:endParaRPr lang="ko-KR" altLang="en-US" sz="4000" dirty="0"/>
           </a:p>
         </p:txBody>
       </p:sp>
@@ -4415,15 +4983,15 @@
           <a:p>
             <a:pPr algn="ctr"/>
             <a:r>
-              <a:rPr lang="en-US" altLang="ko-KR" sz="4000" dirty="0" err="1" smtClean="0"/>
+              <a:rPr lang="en-US" altLang="ko-KR" sz="4000" dirty="0" err="1"/>
               <a:t>Elevater</a:t>
             </a:r>
             <a:r>
-              <a:rPr lang="en-US" altLang="ko-KR" sz="4000" dirty="0" smtClean="0"/>
+              <a:rPr lang="en-US" altLang="ko-KR" sz="4000" dirty="0"/>
               <a:t> </a:t>
             </a:r>
             <a:r>
-              <a:rPr lang="ko-KR" altLang="en-US" sz="4000" dirty="0" err="1" smtClean="0"/>
+              <a:rPr lang="ko-KR" altLang="en-US" sz="4000" dirty="0" err="1"/>
               <a:t>메서드</a:t>
             </a:r>
             <a:endParaRPr lang="ko-KR" altLang="en-US" sz="4000" dirty="0"/>
@@ -4610,18 +5178,17 @@
           <a:p>
             <a:pPr algn="ctr"/>
             <a:r>
-              <a:rPr lang="en-US" altLang="ko-KR" sz="4000" dirty="0" err="1" smtClean="0"/>
+              <a:rPr lang="en-US" altLang="ko-KR" sz="4000" dirty="0" err="1"/>
               <a:t>TvRem_ocon</a:t>
             </a:r>
             <a:r>
-              <a:rPr lang="en-US" altLang="ko-KR" sz="4000" dirty="0" smtClean="0"/>
+              <a:rPr lang="en-US" altLang="ko-KR" sz="4000" dirty="0"/>
               <a:t> </a:t>
             </a:r>
             <a:r>
-              <a:rPr lang="ko-KR" altLang="en-US" sz="4000" dirty="0" smtClean="0"/>
+              <a:rPr lang="ko-KR" altLang="en-US" sz="4000" dirty="0"/>
               <a:t>실습하기</a:t>
             </a:r>
-            <a:endParaRPr lang="ko-KR" altLang="en-US" sz="4000" dirty="0"/>
           </a:p>
         </p:txBody>
       </p:sp>

--- a/자바심화PPT과제/자바심화 6강.pptx
+++ b/자바심화PPT과제/자바심화 6강.pptx
@@ -25,6 +25,7 @@
     <p:sldId id="273" r:id="rId19"/>
     <p:sldId id="274" r:id="rId20"/>
     <p:sldId id="275" r:id="rId21"/>
+    <p:sldId id="276" r:id="rId22"/>
   </p:sldIdLst>
   <p:sldSz cx="12192000" cy="6858000"/>
   <p:notesSz cx="6858000" cy="9144000"/>
@@ -343,7 +344,7 @@
             <a:fld id="{96DFF08F-DC6B-4601-B491-B0F83F6DD2DA}" type="datetimeFigureOut">
               <a:rPr lang="en-US" dirty="0"/>
               <a:pPr/>
-              <a:t>3/26/2023</a:t>
+              <a:t>3/28/2023</a:t>
             </a:fld>
             <a:endParaRPr lang="en-US" dirty="0"/>
           </a:p>
@@ -560,7 +561,7 @@
           <a:p>
             <a:fld id="{96DFF08F-DC6B-4601-B491-B0F83F6DD2DA}" type="datetimeFigureOut">
               <a:rPr lang="en-US" dirty="0"/>
-              <a:t>3/26/2023</a:t>
+              <a:t>3/28/2023</a:t>
             </a:fld>
             <a:endParaRPr lang="en-US" dirty="0"/>
           </a:p>
@@ -735,7 +736,7 @@
           <a:p>
             <a:fld id="{96DFF08F-DC6B-4601-B491-B0F83F6DD2DA}" type="datetimeFigureOut">
               <a:rPr lang="en-US" dirty="0"/>
-              <a:t>3/26/2023</a:t>
+              <a:t>3/28/2023</a:t>
             </a:fld>
             <a:endParaRPr lang="en-US" dirty="0"/>
           </a:p>
@@ -900,7 +901,7 @@
           <a:p>
             <a:fld id="{96DFF08F-DC6B-4601-B491-B0F83F6DD2DA}" type="datetimeFigureOut">
               <a:rPr lang="en-US" dirty="0"/>
-              <a:t>3/26/2023</a:t>
+              <a:t>3/28/2023</a:t>
             </a:fld>
             <a:endParaRPr lang="en-US" dirty="0"/>
           </a:p>
@@ -1169,7 +1170,7 @@
           <a:p>
             <a:fld id="{96DFF08F-DC6B-4601-B491-B0F83F6DD2DA}" type="datetimeFigureOut">
               <a:rPr lang="en-US" dirty="0"/>
-              <a:t>3/26/2023</a:t>
+              <a:t>3/28/2023</a:t>
             </a:fld>
             <a:endParaRPr lang="en-US" dirty="0"/>
           </a:p>
@@ -1487,7 +1488,7 @@
           <a:p>
             <a:fld id="{96DFF08F-DC6B-4601-B491-B0F83F6DD2DA}" type="datetimeFigureOut">
               <a:rPr lang="en-US" dirty="0"/>
-              <a:t>3/26/2023</a:t>
+              <a:t>3/28/2023</a:t>
             </a:fld>
             <a:endParaRPr lang="en-US" dirty="0"/>
           </a:p>
@@ -1906,7 +1907,7 @@
           <a:p>
             <a:fld id="{96DFF08F-DC6B-4601-B491-B0F83F6DD2DA}" type="datetimeFigureOut">
               <a:rPr lang="en-US" dirty="0"/>
-              <a:t>3/26/2023</a:t>
+              <a:t>3/28/2023</a:t>
             </a:fld>
             <a:endParaRPr lang="en-US" dirty="0"/>
           </a:p>
@@ -2019,7 +2020,7 @@
           <a:p>
             <a:fld id="{96DFF08F-DC6B-4601-B491-B0F83F6DD2DA}" type="datetimeFigureOut">
               <a:rPr lang="en-US" dirty="0"/>
-              <a:t>3/26/2023</a:t>
+              <a:t>3/28/2023</a:t>
             </a:fld>
             <a:endParaRPr lang="en-US" dirty="0"/>
           </a:p>
@@ -2109,7 +2110,7 @@
           <a:p>
             <a:fld id="{96DFF08F-DC6B-4601-B491-B0F83F6DD2DA}" type="datetimeFigureOut">
               <a:rPr lang="en-US" dirty="0"/>
-              <a:t>3/26/2023</a:t>
+              <a:t>3/28/2023</a:t>
             </a:fld>
             <a:endParaRPr lang="en-US" dirty="0"/>
           </a:p>
@@ -2394,7 +2395,7 @@
           <a:p>
             <a:fld id="{96DFF08F-DC6B-4601-B491-B0F83F6DD2DA}" type="datetimeFigureOut">
               <a:rPr lang="en-US" dirty="0"/>
-              <a:t>3/26/2023</a:t>
+              <a:t>3/28/2023</a:t>
             </a:fld>
             <a:endParaRPr lang="en-US" dirty="0"/>
           </a:p>
@@ -2661,7 +2662,7 @@
           <a:p>
             <a:fld id="{96DFF08F-DC6B-4601-B491-B0F83F6DD2DA}" type="datetimeFigureOut">
               <a:rPr lang="en-US" dirty="0"/>
-              <a:t>3/26/2023</a:t>
+              <a:t>3/28/2023</a:t>
             </a:fld>
             <a:endParaRPr lang="en-US" dirty="0"/>
           </a:p>
@@ -2911,7 +2912,7 @@
             <a:fld id="{96DFF08F-DC6B-4601-B491-B0F83F6DD2DA}" type="datetimeFigureOut">
               <a:rPr lang="en-US" dirty="0"/>
               <a:pPr/>
-              <a:t>3/26/2023</a:t>
+              <a:t>3/28/2023</a:t>
             </a:fld>
             <a:endParaRPr lang="en-US" dirty="0"/>
           </a:p>
@@ -3404,6 +3405,13 @@
               </a:rPr>
               <a:t>강</a:t>
             </a:r>
+            <a:r>
+              <a:rPr lang="en-US" altLang="ko-KR" dirty="0">
+                <a:latin typeface="+mj-ea"/>
+                <a:ea typeface="+mj-ea"/>
+              </a:rPr>
+              <a:t/>
+            </a:r>
             <a:br>
               <a:rPr lang="en-US" altLang="ko-KR" dirty="0">
                 <a:latin typeface="+mj-ea"/>
@@ -3841,7 +3849,7 @@
           <p:cNvPr id="4" name="그림 3">
             <a:extLst>
               <a:ext uri="{FF2B5EF4-FFF2-40B4-BE49-F238E27FC236}">
-                <a16:creationId xmlns:a16="http://schemas.microsoft.com/office/drawing/2014/main" id="{B4BC975C-A586-043E-68B6-A8B9341E4698}"/>
+                <a16:creationId xmlns:a16="http://schemas.microsoft.com/office/drawing/2014/main" xmlns="" id="{B4BC975C-A586-043E-68B6-A8B9341E4698}"/>
               </a:ext>
             </a:extLst>
           </p:cNvPr>
@@ -3901,7 +3909,7 @@
           <p:cNvPr id="4" name="그림 3">
             <a:extLst>
               <a:ext uri="{FF2B5EF4-FFF2-40B4-BE49-F238E27FC236}">
-                <a16:creationId xmlns:a16="http://schemas.microsoft.com/office/drawing/2014/main" id="{361534C1-47CC-9B45-3D97-48129923C9E0}"/>
+                <a16:creationId xmlns:a16="http://schemas.microsoft.com/office/drawing/2014/main" xmlns="" id="{361534C1-47CC-9B45-3D97-48129923C9E0}"/>
               </a:ext>
             </a:extLst>
           </p:cNvPr>
@@ -3991,7 +3999,7 @@
           <p:cNvPr id="14" name="그림 13">
             <a:extLst>
               <a:ext uri="{FF2B5EF4-FFF2-40B4-BE49-F238E27FC236}">
-                <a16:creationId xmlns:a16="http://schemas.microsoft.com/office/drawing/2014/main" id="{34334846-CEC4-EEC9-D595-7FB83B981A6A}"/>
+                <a16:creationId xmlns:a16="http://schemas.microsoft.com/office/drawing/2014/main" xmlns="" id="{34334846-CEC4-EEC9-D595-7FB83B981A6A}"/>
               </a:ext>
             </a:extLst>
           </p:cNvPr>
@@ -4021,7 +4029,7 @@
           <p:cNvPr id="16" name="그림 15">
             <a:extLst>
               <a:ext uri="{FF2B5EF4-FFF2-40B4-BE49-F238E27FC236}">
-                <a16:creationId xmlns:a16="http://schemas.microsoft.com/office/drawing/2014/main" id="{C21D07FB-4AA6-0B8A-B50A-F9421A2D27CC}"/>
+                <a16:creationId xmlns:a16="http://schemas.microsoft.com/office/drawing/2014/main" xmlns="" id="{C21D07FB-4AA6-0B8A-B50A-F9421A2D27CC}"/>
               </a:ext>
             </a:extLst>
           </p:cNvPr>
@@ -4081,7 +4089,7 @@
           <p:cNvPr id="12" name="그림 11">
             <a:extLst>
               <a:ext uri="{FF2B5EF4-FFF2-40B4-BE49-F238E27FC236}">
-                <a16:creationId xmlns:a16="http://schemas.microsoft.com/office/drawing/2014/main" id="{02EFEECE-E0EA-4F11-6E83-30B92B79C054}"/>
+                <a16:creationId xmlns:a16="http://schemas.microsoft.com/office/drawing/2014/main" xmlns="" id="{02EFEECE-E0EA-4F11-6E83-30B92B79C054}"/>
               </a:ext>
             </a:extLst>
           </p:cNvPr>
@@ -4111,7 +4119,7 @@
           <p:cNvPr id="14" name="그림 13">
             <a:extLst>
               <a:ext uri="{FF2B5EF4-FFF2-40B4-BE49-F238E27FC236}">
-                <a16:creationId xmlns:a16="http://schemas.microsoft.com/office/drawing/2014/main" id="{EF139EEF-F7F2-0F30-4B88-4957E900BBF0}"/>
+                <a16:creationId xmlns:a16="http://schemas.microsoft.com/office/drawing/2014/main" xmlns="" id="{EF139EEF-F7F2-0F30-4B88-4957E900BBF0}"/>
               </a:ext>
             </a:extLst>
           </p:cNvPr>
@@ -4141,7 +4149,7 @@
           <p:cNvPr id="16" name="그림 15">
             <a:extLst>
               <a:ext uri="{FF2B5EF4-FFF2-40B4-BE49-F238E27FC236}">
-                <a16:creationId xmlns:a16="http://schemas.microsoft.com/office/drawing/2014/main" id="{A9E4EAC2-D306-A3F5-5BCF-05DD4A130EB7}"/>
+                <a16:creationId xmlns:a16="http://schemas.microsoft.com/office/drawing/2014/main" xmlns="" id="{A9E4EAC2-D306-A3F5-5BCF-05DD4A130EB7}"/>
               </a:ext>
             </a:extLst>
           </p:cNvPr>
@@ -4201,7 +4209,7 @@
           <p:cNvPr id="2" name="제목 1">
             <a:extLst>
               <a:ext uri="{FF2B5EF4-FFF2-40B4-BE49-F238E27FC236}">
-                <a16:creationId xmlns:a16="http://schemas.microsoft.com/office/drawing/2014/main" id="{BBD2728C-78B4-2780-7D87-584923362880}"/>
+                <a16:creationId xmlns:a16="http://schemas.microsoft.com/office/drawing/2014/main" xmlns="" id="{BBD2728C-78B4-2780-7D87-584923362880}"/>
               </a:ext>
             </a:extLst>
           </p:cNvPr>
@@ -4237,7 +4245,7 @@
           <p:cNvPr id="6" name="그림 5">
             <a:extLst>
               <a:ext uri="{FF2B5EF4-FFF2-40B4-BE49-F238E27FC236}">
-                <a16:creationId xmlns:a16="http://schemas.microsoft.com/office/drawing/2014/main" id="{12B1640E-33AC-0D10-F6EC-4A69FEAE7E6B}"/>
+                <a16:creationId xmlns:a16="http://schemas.microsoft.com/office/drawing/2014/main" xmlns="" id="{12B1640E-33AC-0D10-F6EC-4A69FEAE7E6B}"/>
               </a:ext>
             </a:extLst>
           </p:cNvPr>
@@ -4267,7 +4275,7 @@
           <p:cNvPr id="8" name="그림 7">
             <a:extLst>
               <a:ext uri="{FF2B5EF4-FFF2-40B4-BE49-F238E27FC236}">
-                <a16:creationId xmlns:a16="http://schemas.microsoft.com/office/drawing/2014/main" id="{CA577D8C-6FD4-E83B-D768-1AC47E0B5767}"/>
+                <a16:creationId xmlns:a16="http://schemas.microsoft.com/office/drawing/2014/main" xmlns="" id="{CA577D8C-6FD4-E83B-D768-1AC47E0B5767}"/>
               </a:ext>
             </a:extLst>
           </p:cNvPr>
@@ -4327,7 +4335,7 @@
           <p:cNvPr id="2" name="TextBox 1">
             <a:extLst>
               <a:ext uri="{FF2B5EF4-FFF2-40B4-BE49-F238E27FC236}">
-                <a16:creationId xmlns:a16="http://schemas.microsoft.com/office/drawing/2014/main" id="{D83BC4DB-798C-9537-8B0C-E65379A992B7}"/>
+                <a16:creationId xmlns:a16="http://schemas.microsoft.com/office/drawing/2014/main" xmlns="" id="{D83BC4DB-798C-9537-8B0C-E65379A992B7}"/>
               </a:ext>
             </a:extLst>
           </p:cNvPr>
@@ -4376,7 +4384,7 @@
           <p:cNvPr id="6" name="그림 5">
             <a:extLst>
               <a:ext uri="{FF2B5EF4-FFF2-40B4-BE49-F238E27FC236}">
-                <a16:creationId xmlns:a16="http://schemas.microsoft.com/office/drawing/2014/main" id="{E664C9E0-7D04-6EF9-9EA3-8A06B1F74BB4}"/>
+                <a16:creationId xmlns:a16="http://schemas.microsoft.com/office/drawing/2014/main" xmlns="" id="{E664C9E0-7D04-6EF9-9EA3-8A06B1F74BB4}"/>
               </a:ext>
             </a:extLst>
           </p:cNvPr>
@@ -4406,7 +4414,7 @@
           <p:cNvPr id="8" name="그림 7">
             <a:extLst>
               <a:ext uri="{FF2B5EF4-FFF2-40B4-BE49-F238E27FC236}">
-                <a16:creationId xmlns:a16="http://schemas.microsoft.com/office/drawing/2014/main" id="{D7B2DD56-53CB-2423-DA77-61C9469F1A88}"/>
+                <a16:creationId xmlns:a16="http://schemas.microsoft.com/office/drawing/2014/main" xmlns="" id="{D7B2DD56-53CB-2423-DA77-61C9469F1A88}"/>
               </a:ext>
             </a:extLst>
           </p:cNvPr>
@@ -4436,7 +4444,7 @@
           <p:cNvPr id="10" name="그림 9">
             <a:extLst>
               <a:ext uri="{FF2B5EF4-FFF2-40B4-BE49-F238E27FC236}">
-                <a16:creationId xmlns:a16="http://schemas.microsoft.com/office/drawing/2014/main" id="{E8B43C21-0C38-A3E9-BE72-F47D31C4791F}"/>
+                <a16:creationId xmlns:a16="http://schemas.microsoft.com/office/drawing/2014/main" xmlns="" id="{E8B43C21-0C38-A3E9-BE72-F47D31C4791F}"/>
               </a:ext>
             </a:extLst>
           </p:cNvPr>
@@ -4605,7 +4613,7 @@
           <p:cNvPr id="2" name="제목 1">
             <a:extLst>
               <a:ext uri="{FF2B5EF4-FFF2-40B4-BE49-F238E27FC236}">
-                <a16:creationId xmlns:a16="http://schemas.microsoft.com/office/drawing/2014/main" id="{0312CE02-893D-2E61-66DB-53EA126B91B1}"/>
+                <a16:creationId xmlns:a16="http://schemas.microsoft.com/office/drawing/2014/main" xmlns="" id="{0312CE02-893D-2E61-66DB-53EA126B91B1}"/>
               </a:ext>
             </a:extLst>
           </p:cNvPr>
@@ -4646,7 +4654,7 @@
           <p:cNvPr id="4" name="그림 3">
             <a:extLst>
               <a:ext uri="{FF2B5EF4-FFF2-40B4-BE49-F238E27FC236}">
-                <a16:creationId xmlns:a16="http://schemas.microsoft.com/office/drawing/2014/main" id="{052CB74B-1A56-9ED3-A4A7-85B417164948}"/>
+                <a16:creationId xmlns:a16="http://schemas.microsoft.com/office/drawing/2014/main" xmlns="" id="{052CB74B-1A56-9ED3-A4A7-85B417164948}"/>
               </a:ext>
             </a:extLst>
           </p:cNvPr>
@@ -4676,7 +4684,7 @@
           <p:cNvPr id="6" name="그림 5">
             <a:extLst>
               <a:ext uri="{FF2B5EF4-FFF2-40B4-BE49-F238E27FC236}">
-                <a16:creationId xmlns:a16="http://schemas.microsoft.com/office/drawing/2014/main" id="{9BB70369-C388-2A24-E384-B0E0D4453F68}"/>
+                <a16:creationId xmlns:a16="http://schemas.microsoft.com/office/drawing/2014/main" xmlns="" id="{9BB70369-C388-2A24-E384-B0E0D4453F68}"/>
               </a:ext>
             </a:extLst>
           </p:cNvPr>
@@ -4705,6 +4713,135 @@
     <p:extLst>
       <p:ext uri="{BB962C8B-B14F-4D97-AF65-F5344CB8AC3E}">
         <p14:creationId xmlns:p14="http://schemas.microsoft.com/office/powerpoint/2010/main" val="3937590747"/>
+      </p:ext>
+    </p:extLst>
+  </p:cSld>
+  <p:clrMapOvr>
+    <a:masterClrMapping/>
+  </p:clrMapOvr>
+</p:sld>
+</file>
+
+<file path=ppt/slides/slide21.xml><?xml version="1.0" encoding="utf-8"?>
+<p:sld xmlns:a="http://schemas.openxmlformats.org/drawingml/2006/main" xmlns:r="http://schemas.openxmlformats.org/officeDocument/2006/relationships" xmlns:p="http://schemas.openxmlformats.org/presentationml/2006/main">
+  <p:cSld>
+    <p:spTree>
+      <p:nvGrpSpPr>
+        <p:cNvPr id="1" name=""/>
+        <p:cNvGrpSpPr/>
+        <p:nvPr/>
+      </p:nvGrpSpPr>
+      <p:grpSpPr>
+        <a:xfrm>
+          <a:off x="0" y="0"/>
+          <a:ext cx="0" cy="0"/>
+          <a:chOff x="0" y="0"/>
+          <a:chExt cx="0" cy="0"/>
+        </a:xfrm>
+      </p:grpSpPr>
+      <p:sp>
+        <p:nvSpPr>
+          <p:cNvPr id="2" name="제목 1"/>
+          <p:cNvSpPr>
+            <a:spLocks noGrp="1"/>
+          </p:cNvSpPr>
+          <p:nvPr>
+            <p:ph type="title"/>
+          </p:nvPr>
+        </p:nvSpPr>
+        <p:spPr>
+          <a:xfrm>
+            <a:off x="1143000" y="609600"/>
+            <a:ext cx="9875520" cy="629265"/>
+          </a:xfrm>
+        </p:spPr>
+        <p:txBody>
+          <a:bodyPr>
+            <a:normAutofit fontScale="90000"/>
+          </a:bodyPr>
+          <a:lstStyle/>
+          <a:p>
+            <a:pPr algn="ctr"/>
+            <a:r>
+              <a:rPr lang="en-US" altLang="ko-KR" sz="4800" err="1" smtClean="0">
+                <a:latin typeface="+mn-ea"/>
+                <a:ea typeface="+mn-ea"/>
+              </a:rPr>
+              <a:t>ReportSheet</a:t>
+            </a:r>
+            <a:r>
+              <a:rPr lang="en-US" altLang="ko-KR" sz="4800" dirty="0" smtClean="0">
+                <a:latin typeface="+mn-ea"/>
+                <a:ea typeface="+mn-ea"/>
+              </a:rPr>
+              <a:t> </a:t>
+            </a:r>
+            <a:r>
+              <a:rPr lang="ko-KR" altLang="en-US" sz="4800" dirty="0" smtClean="0">
+                <a:latin typeface="+mn-ea"/>
+                <a:ea typeface="+mn-ea"/>
+              </a:rPr>
+              <a:t>실습</a:t>
+            </a:r>
+            <a:endParaRPr lang="ko-KR" altLang="en-US" sz="4800" dirty="0">
+              <a:latin typeface="+mn-ea"/>
+              <a:ea typeface="+mn-ea"/>
+            </a:endParaRPr>
+          </a:p>
+        </p:txBody>
+      </p:sp>
+      <p:pic>
+        <p:nvPicPr>
+          <p:cNvPr id="3" name="그림 2"/>
+          <p:cNvPicPr>
+            <a:picLocks noChangeAspect="1"/>
+          </p:cNvPicPr>
+          <p:nvPr/>
+        </p:nvPicPr>
+        <p:blipFill>
+          <a:blip r:embed="rId2"/>
+          <a:stretch>
+            <a:fillRect/>
+          </a:stretch>
+        </p:blipFill>
+        <p:spPr>
+          <a:xfrm>
+            <a:off x="596374" y="1238865"/>
+            <a:ext cx="5735109" cy="5329455"/>
+          </a:xfrm>
+          <a:prstGeom prst="rect">
+            <a:avLst/>
+          </a:prstGeom>
+        </p:spPr>
+      </p:pic>
+      <p:pic>
+        <p:nvPicPr>
+          <p:cNvPr id="4" name="그림 3"/>
+          <p:cNvPicPr>
+            <a:picLocks noChangeAspect="1"/>
+          </p:cNvPicPr>
+          <p:nvPr/>
+        </p:nvPicPr>
+        <p:blipFill>
+          <a:blip r:embed="rId3"/>
+          <a:stretch>
+            <a:fillRect/>
+          </a:stretch>
+        </p:blipFill>
+        <p:spPr>
+          <a:xfrm>
+            <a:off x="6703402" y="1495916"/>
+            <a:ext cx="5068007" cy="1771897"/>
+          </a:xfrm>
+          <a:prstGeom prst="rect">
+            <a:avLst/>
+          </a:prstGeom>
+        </p:spPr>
+      </p:pic>
+    </p:spTree>
+    <p:extLst>
+      <p:ext uri="{BB962C8B-B14F-4D97-AF65-F5344CB8AC3E}">
+        <p14:creationId xmlns:p14="http://schemas.microsoft.com/office/powerpoint/2010/main" val="2459123459"/>
       </p:ext>
     </p:extLst>
   </p:cSld>

--- a/자바심화PPT과제/자바심화 6강.pptx
+++ b/자바심화PPT과제/자바심화 6강.pptx
@@ -26,6 +26,10 @@
     <p:sldId id="274" r:id="rId20"/>
     <p:sldId id="275" r:id="rId21"/>
     <p:sldId id="276" r:id="rId22"/>
+    <p:sldId id="277" r:id="rId23"/>
+    <p:sldId id="278" r:id="rId24"/>
+    <p:sldId id="279" r:id="rId25"/>
+    <p:sldId id="280" r:id="rId26"/>
   </p:sldIdLst>
   <p:sldSz cx="12192000" cy="6858000"/>
   <p:notesSz cx="6858000" cy="9144000"/>
@@ -344,7 +348,7 @@
             <a:fld id="{96DFF08F-DC6B-4601-B491-B0F83F6DD2DA}" type="datetimeFigureOut">
               <a:rPr lang="en-US" dirty="0"/>
               <a:pPr/>
-              <a:t>3/28/2023</a:t>
+              <a:t>3/29/2023</a:t>
             </a:fld>
             <a:endParaRPr lang="en-US" dirty="0"/>
           </a:p>
@@ -561,7 +565,7 @@
           <a:p>
             <a:fld id="{96DFF08F-DC6B-4601-B491-B0F83F6DD2DA}" type="datetimeFigureOut">
               <a:rPr lang="en-US" dirty="0"/>
-              <a:t>3/28/2023</a:t>
+              <a:t>3/29/2023</a:t>
             </a:fld>
             <a:endParaRPr lang="en-US" dirty="0"/>
           </a:p>
@@ -736,7 +740,7 @@
           <a:p>
             <a:fld id="{96DFF08F-DC6B-4601-B491-B0F83F6DD2DA}" type="datetimeFigureOut">
               <a:rPr lang="en-US" dirty="0"/>
-              <a:t>3/28/2023</a:t>
+              <a:t>3/29/2023</a:t>
             </a:fld>
             <a:endParaRPr lang="en-US" dirty="0"/>
           </a:p>
@@ -901,7 +905,7 @@
           <a:p>
             <a:fld id="{96DFF08F-DC6B-4601-B491-B0F83F6DD2DA}" type="datetimeFigureOut">
               <a:rPr lang="en-US" dirty="0"/>
-              <a:t>3/28/2023</a:t>
+              <a:t>3/29/2023</a:t>
             </a:fld>
             <a:endParaRPr lang="en-US" dirty="0"/>
           </a:p>
@@ -1170,7 +1174,7 @@
           <a:p>
             <a:fld id="{96DFF08F-DC6B-4601-B491-B0F83F6DD2DA}" type="datetimeFigureOut">
               <a:rPr lang="en-US" dirty="0"/>
-              <a:t>3/28/2023</a:t>
+              <a:t>3/29/2023</a:t>
             </a:fld>
             <a:endParaRPr lang="en-US" dirty="0"/>
           </a:p>
@@ -1488,7 +1492,7 @@
           <a:p>
             <a:fld id="{96DFF08F-DC6B-4601-B491-B0F83F6DD2DA}" type="datetimeFigureOut">
               <a:rPr lang="en-US" dirty="0"/>
-              <a:t>3/28/2023</a:t>
+              <a:t>3/29/2023</a:t>
             </a:fld>
             <a:endParaRPr lang="en-US" dirty="0"/>
           </a:p>
@@ -1907,7 +1911,7 @@
           <a:p>
             <a:fld id="{96DFF08F-DC6B-4601-B491-B0F83F6DD2DA}" type="datetimeFigureOut">
               <a:rPr lang="en-US" dirty="0"/>
-              <a:t>3/28/2023</a:t>
+              <a:t>3/29/2023</a:t>
             </a:fld>
             <a:endParaRPr lang="en-US" dirty="0"/>
           </a:p>
@@ -2020,7 +2024,7 @@
           <a:p>
             <a:fld id="{96DFF08F-DC6B-4601-B491-B0F83F6DD2DA}" type="datetimeFigureOut">
               <a:rPr lang="en-US" dirty="0"/>
-              <a:t>3/28/2023</a:t>
+              <a:t>3/29/2023</a:t>
             </a:fld>
             <a:endParaRPr lang="en-US" dirty="0"/>
           </a:p>
@@ -2110,7 +2114,7 @@
           <a:p>
             <a:fld id="{96DFF08F-DC6B-4601-B491-B0F83F6DD2DA}" type="datetimeFigureOut">
               <a:rPr lang="en-US" dirty="0"/>
-              <a:t>3/28/2023</a:t>
+              <a:t>3/29/2023</a:t>
             </a:fld>
             <a:endParaRPr lang="en-US" dirty="0"/>
           </a:p>
@@ -2395,7 +2399,7 @@
           <a:p>
             <a:fld id="{96DFF08F-DC6B-4601-B491-B0F83F6DD2DA}" type="datetimeFigureOut">
               <a:rPr lang="en-US" dirty="0"/>
-              <a:t>3/28/2023</a:t>
+              <a:t>3/29/2023</a:t>
             </a:fld>
             <a:endParaRPr lang="en-US" dirty="0"/>
           </a:p>
@@ -2662,7 +2666,7 @@
           <a:p>
             <a:fld id="{96DFF08F-DC6B-4601-B491-B0F83F6DD2DA}" type="datetimeFigureOut">
               <a:rPr lang="en-US" dirty="0"/>
-              <a:t>3/28/2023</a:t>
+              <a:t>3/29/2023</a:t>
             </a:fld>
             <a:endParaRPr lang="en-US" dirty="0"/>
           </a:p>
@@ -2912,7 +2916,7 @@
             <a:fld id="{96DFF08F-DC6B-4601-B491-B0F83F6DD2DA}" type="datetimeFigureOut">
               <a:rPr lang="en-US" dirty="0"/>
               <a:pPr/>
-              <a:t>3/28/2023</a:t>
+              <a:t>3/29/2023</a:t>
             </a:fld>
             <a:endParaRPr lang="en-US" dirty="0"/>
           </a:p>
@@ -3849,7 +3853,7 @@
           <p:cNvPr id="4" name="그림 3">
             <a:extLst>
               <a:ext uri="{FF2B5EF4-FFF2-40B4-BE49-F238E27FC236}">
-                <a16:creationId xmlns:a16="http://schemas.microsoft.com/office/drawing/2014/main" xmlns="" id="{B4BC975C-A586-043E-68B6-A8B9341E4698}"/>
+                <a16:creationId xmlns="" xmlns:a16="http://schemas.microsoft.com/office/drawing/2014/main" id="{B4BC975C-A586-043E-68B6-A8B9341E4698}"/>
               </a:ext>
             </a:extLst>
           </p:cNvPr>
@@ -3909,7 +3913,7 @@
           <p:cNvPr id="4" name="그림 3">
             <a:extLst>
               <a:ext uri="{FF2B5EF4-FFF2-40B4-BE49-F238E27FC236}">
-                <a16:creationId xmlns:a16="http://schemas.microsoft.com/office/drawing/2014/main" xmlns="" id="{361534C1-47CC-9B45-3D97-48129923C9E0}"/>
+                <a16:creationId xmlns="" xmlns:a16="http://schemas.microsoft.com/office/drawing/2014/main" id="{361534C1-47CC-9B45-3D97-48129923C9E0}"/>
               </a:ext>
             </a:extLst>
           </p:cNvPr>
@@ -3999,7 +4003,7 @@
           <p:cNvPr id="14" name="그림 13">
             <a:extLst>
               <a:ext uri="{FF2B5EF4-FFF2-40B4-BE49-F238E27FC236}">
-                <a16:creationId xmlns:a16="http://schemas.microsoft.com/office/drawing/2014/main" xmlns="" id="{34334846-CEC4-EEC9-D595-7FB83B981A6A}"/>
+                <a16:creationId xmlns="" xmlns:a16="http://schemas.microsoft.com/office/drawing/2014/main" id="{34334846-CEC4-EEC9-D595-7FB83B981A6A}"/>
               </a:ext>
             </a:extLst>
           </p:cNvPr>
@@ -4029,7 +4033,7 @@
           <p:cNvPr id="16" name="그림 15">
             <a:extLst>
               <a:ext uri="{FF2B5EF4-FFF2-40B4-BE49-F238E27FC236}">
-                <a16:creationId xmlns:a16="http://schemas.microsoft.com/office/drawing/2014/main" xmlns="" id="{C21D07FB-4AA6-0B8A-B50A-F9421A2D27CC}"/>
+                <a16:creationId xmlns="" xmlns:a16="http://schemas.microsoft.com/office/drawing/2014/main" id="{C21D07FB-4AA6-0B8A-B50A-F9421A2D27CC}"/>
               </a:ext>
             </a:extLst>
           </p:cNvPr>
@@ -4089,7 +4093,7 @@
           <p:cNvPr id="12" name="그림 11">
             <a:extLst>
               <a:ext uri="{FF2B5EF4-FFF2-40B4-BE49-F238E27FC236}">
-                <a16:creationId xmlns:a16="http://schemas.microsoft.com/office/drawing/2014/main" xmlns="" id="{02EFEECE-E0EA-4F11-6E83-30B92B79C054}"/>
+                <a16:creationId xmlns="" xmlns:a16="http://schemas.microsoft.com/office/drawing/2014/main" id="{02EFEECE-E0EA-4F11-6E83-30B92B79C054}"/>
               </a:ext>
             </a:extLst>
           </p:cNvPr>
@@ -4119,7 +4123,7 @@
           <p:cNvPr id="14" name="그림 13">
             <a:extLst>
               <a:ext uri="{FF2B5EF4-FFF2-40B4-BE49-F238E27FC236}">
-                <a16:creationId xmlns:a16="http://schemas.microsoft.com/office/drawing/2014/main" xmlns="" id="{EF139EEF-F7F2-0F30-4B88-4957E900BBF0}"/>
+                <a16:creationId xmlns="" xmlns:a16="http://schemas.microsoft.com/office/drawing/2014/main" id="{EF139EEF-F7F2-0F30-4B88-4957E900BBF0}"/>
               </a:ext>
             </a:extLst>
           </p:cNvPr>
@@ -4149,7 +4153,7 @@
           <p:cNvPr id="16" name="그림 15">
             <a:extLst>
               <a:ext uri="{FF2B5EF4-FFF2-40B4-BE49-F238E27FC236}">
-                <a16:creationId xmlns:a16="http://schemas.microsoft.com/office/drawing/2014/main" xmlns="" id="{A9E4EAC2-D306-A3F5-5BCF-05DD4A130EB7}"/>
+                <a16:creationId xmlns="" xmlns:a16="http://schemas.microsoft.com/office/drawing/2014/main" id="{A9E4EAC2-D306-A3F5-5BCF-05DD4A130EB7}"/>
               </a:ext>
             </a:extLst>
           </p:cNvPr>
@@ -4209,7 +4213,7 @@
           <p:cNvPr id="2" name="제목 1">
             <a:extLst>
               <a:ext uri="{FF2B5EF4-FFF2-40B4-BE49-F238E27FC236}">
-                <a16:creationId xmlns:a16="http://schemas.microsoft.com/office/drawing/2014/main" xmlns="" id="{BBD2728C-78B4-2780-7D87-584923362880}"/>
+                <a16:creationId xmlns="" xmlns:a16="http://schemas.microsoft.com/office/drawing/2014/main" id="{BBD2728C-78B4-2780-7D87-584923362880}"/>
               </a:ext>
             </a:extLst>
           </p:cNvPr>
@@ -4245,7 +4249,7 @@
           <p:cNvPr id="6" name="그림 5">
             <a:extLst>
               <a:ext uri="{FF2B5EF4-FFF2-40B4-BE49-F238E27FC236}">
-                <a16:creationId xmlns:a16="http://schemas.microsoft.com/office/drawing/2014/main" xmlns="" id="{12B1640E-33AC-0D10-F6EC-4A69FEAE7E6B}"/>
+                <a16:creationId xmlns="" xmlns:a16="http://schemas.microsoft.com/office/drawing/2014/main" id="{12B1640E-33AC-0D10-F6EC-4A69FEAE7E6B}"/>
               </a:ext>
             </a:extLst>
           </p:cNvPr>
@@ -4275,7 +4279,7 @@
           <p:cNvPr id="8" name="그림 7">
             <a:extLst>
               <a:ext uri="{FF2B5EF4-FFF2-40B4-BE49-F238E27FC236}">
-                <a16:creationId xmlns:a16="http://schemas.microsoft.com/office/drawing/2014/main" xmlns="" id="{CA577D8C-6FD4-E83B-D768-1AC47E0B5767}"/>
+                <a16:creationId xmlns="" xmlns:a16="http://schemas.microsoft.com/office/drawing/2014/main" id="{CA577D8C-6FD4-E83B-D768-1AC47E0B5767}"/>
               </a:ext>
             </a:extLst>
           </p:cNvPr>
@@ -4335,7 +4339,7 @@
           <p:cNvPr id="2" name="TextBox 1">
             <a:extLst>
               <a:ext uri="{FF2B5EF4-FFF2-40B4-BE49-F238E27FC236}">
-                <a16:creationId xmlns:a16="http://schemas.microsoft.com/office/drawing/2014/main" xmlns="" id="{D83BC4DB-798C-9537-8B0C-E65379A992B7}"/>
+                <a16:creationId xmlns="" xmlns:a16="http://schemas.microsoft.com/office/drawing/2014/main" id="{D83BC4DB-798C-9537-8B0C-E65379A992B7}"/>
               </a:ext>
             </a:extLst>
           </p:cNvPr>
@@ -4384,7 +4388,7 @@
           <p:cNvPr id="6" name="그림 5">
             <a:extLst>
               <a:ext uri="{FF2B5EF4-FFF2-40B4-BE49-F238E27FC236}">
-                <a16:creationId xmlns:a16="http://schemas.microsoft.com/office/drawing/2014/main" xmlns="" id="{E664C9E0-7D04-6EF9-9EA3-8A06B1F74BB4}"/>
+                <a16:creationId xmlns="" xmlns:a16="http://schemas.microsoft.com/office/drawing/2014/main" id="{E664C9E0-7D04-6EF9-9EA3-8A06B1F74BB4}"/>
               </a:ext>
             </a:extLst>
           </p:cNvPr>
@@ -4414,7 +4418,7 @@
           <p:cNvPr id="8" name="그림 7">
             <a:extLst>
               <a:ext uri="{FF2B5EF4-FFF2-40B4-BE49-F238E27FC236}">
-                <a16:creationId xmlns:a16="http://schemas.microsoft.com/office/drawing/2014/main" xmlns="" id="{D7B2DD56-53CB-2423-DA77-61C9469F1A88}"/>
+                <a16:creationId xmlns="" xmlns:a16="http://schemas.microsoft.com/office/drawing/2014/main" id="{D7B2DD56-53CB-2423-DA77-61C9469F1A88}"/>
               </a:ext>
             </a:extLst>
           </p:cNvPr>
@@ -4444,7 +4448,7 @@
           <p:cNvPr id="10" name="그림 9">
             <a:extLst>
               <a:ext uri="{FF2B5EF4-FFF2-40B4-BE49-F238E27FC236}">
-                <a16:creationId xmlns:a16="http://schemas.microsoft.com/office/drawing/2014/main" xmlns="" id="{E8B43C21-0C38-A3E9-BE72-F47D31C4791F}"/>
+                <a16:creationId xmlns="" xmlns:a16="http://schemas.microsoft.com/office/drawing/2014/main" id="{E8B43C21-0C38-A3E9-BE72-F47D31C4791F}"/>
               </a:ext>
             </a:extLst>
           </p:cNvPr>
@@ -4613,7 +4617,7 @@
           <p:cNvPr id="2" name="제목 1">
             <a:extLst>
               <a:ext uri="{FF2B5EF4-FFF2-40B4-BE49-F238E27FC236}">
-                <a16:creationId xmlns:a16="http://schemas.microsoft.com/office/drawing/2014/main" xmlns="" id="{0312CE02-893D-2E61-66DB-53EA126B91B1}"/>
+                <a16:creationId xmlns="" xmlns:a16="http://schemas.microsoft.com/office/drawing/2014/main" id="{0312CE02-893D-2E61-66DB-53EA126B91B1}"/>
               </a:ext>
             </a:extLst>
           </p:cNvPr>
@@ -4654,7 +4658,7 @@
           <p:cNvPr id="4" name="그림 3">
             <a:extLst>
               <a:ext uri="{FF2B5EF4-FFF2-40B4-BE49-F238E27FC236}">
-                <a16:creationId xmlns:a16="http://schemas.microsoft.com/office/drawing/2014/main" xmlns="" id="{052CB74B-1A56-9ED3-A4A7-85B417164948}"/>
+                <a16:creationId xmlns="" xmlns:a16="http://schemas.microsoft.com/office/drawing/2014/main" id="{052CB74B-1A56-9ED3-A4A7-85B417164948}"/>
               </a:ext>
             </a:extLst>
           </p:cNvPr>
@@ -4684,7 +4688,7 @@
           <p:cNvPr id="6" name="그림 5">
             <a:extLst>
               <a:ext uri="{FF2B5EF4-FFF2-40B4-BE49-F238E27FC236}">
-                <a16:creationId xmlns:a16="http://schemas.microsoft.com/office/drawing/2014/main" xmlns="" id="{9BB70369-C388-2A24-E384-B0E0D4453F68}"/>
+                <a16:creationId xmlns="" xmlns:a16="http://schemas.microsoft.com/office/drawing/2014/main" id="{9BB70369-C388-2A24-E384-B0E0D4453F68}"/>
               </a:ext>
             </a:extLst>
           </p:cNvPr>
@@ -4842,6 +4846,490 @@
     <p:extLst>
       <p:ext uri="{BB962C8B-B14F-4D97-AF65-F5344CB8AC3E}">
         <p14:creationId xmlns:p14="http://schemas.microsoft.com/office/powerpoint/2010/main" val="2459123459"/>
+      </p:ext>
+    </p:extLst>
+  </p:cSld>
+  <p:clrMapOvr>
+    <a:masterClrMapping/>
+  </p:clrMapOvr>
+</p:sld>
+</file>
+
+<file path=ppt/slides/slide22.xml><?xml version="1.0" encoding="utf-8"?>
+<p:sld xmlns:a="http://schemas.openxmlformats.org/drawingml/2006/main" xmlns:r="http://schemas.openxmlformats.org/officeDocument/2006/relationships" xmlns:p="http://schemas.openxmlformats.org/presentationml/2006/main">
+  <p:cSld>
+    <p:spTree>
+      <p:nvGrpSpPr>
+        <p:cNvPr id="1" name=""/>
+        <p:cNvGrpSpPr/>
+        <p:nvPr/>
+      </p:nvGrpSpPr>
+      <p:grpSpPr>
+        <a:xfrm>
+          <a:off x="0" y="0"/>
+          <a:ext cx="0" cy="0"/>
+          <a:chOff x="0" y="0"/>
+          <a:chExt cx="0" cy="0"/>
+        </a:xfrm>
+      </p:grpSpPr>
+      <p:pic>
+        <p:nvPicPr>
+          <p:cNvPr id="5" name="그림 4"/>
+          <p:cNvPicPr>
+            <a:picLocks noChangeAspect="1"/>
+          </p:cNvPicPr>
+          <p:nvPr/>
+        </p:nvPicPr>
+        <p:blipFill>
+          <a:blip r:embed="rId2"/>
+          <a:stretch>
+            <a:fillRect/>
+          </a:stretch>
+        </p:blipFill>
+        <p:spPr>
+          <a:xfrm>
+            <a:off x="7366970" y="1107010"/>
+            <a:ext cx="4448796" cy="5420481"/>
+          </a:xfrm>
+          <a:prstGeom prst="rect">
+            <a:avLst/>
+          </a:prstGeom>
+        </p:spPr>
+      </p:pic>
+      <p:sp>
+        <p:nvSpPr>
+          <p:cNvPr id="6" name="TextBox 5"/>
+          <p:cNvSpPr txBox="1"/>
+          <p:nvPr/>
+        </p:nvSpPr>
+        <p:spPr>
+          <a:xfrm>
+            <a:off x="7270955" y="309716"/>
+            <a:ext cx="4542503" cy="707886"/>
+          </a:xfrm>
+          <a:prstGeom prst="rect">
+            <a:avLst/>
+          </a:prstGeom>
+          <a:noFill/>
+        </p:spPr>
+        <p:txBody>
+          <a:bodyPr wrap="square" rtlCol="0">
+            <a:spAutoFit/>
+          </a:bodyPr>
+          <a:lstStyle/>
+          <a:p>
+            <a:pPr algn="ctr"/>
+            <a:r>
+              <a:rPr lang="ko-KR" altLang="en-US" sz="4000" dirty="0" smtClean="0">
+                <a:solidFill>
+                  <a:schemeClr val="accent1"/>
+                </a:solidFill>
+                <a:latin typeface="+mn-ea"/>
+              </a:rPr>
+              <a:t>성적집계표 </a:t>
+            </a:r>
+            <a:r>
+              <a:rPr lang="en-US" altLang="ko-KR" sz="4000" dirty="0" smtClean="0">
+                <a:solidFill>
+                  <a:schemeClr val="accent1"/>
+                </a:solidFill>
+                <a:latin typeface="+mn-ea"/>
+              </a:rPr>
+              <a:t>1</a:t>
+            </a:r>
+            <a:endParaRPr lang="ko-KR" altLang="en-US" sz="4000" dirty="0">
+              <a:solidFill>
+                <a:schemeClr val="accent1"/>
+              </a:solidFill>
+              <a:latin typeface="+mn-ea"/>
+            </a:endParaRPr>
+          </a:p>
+        </p:txBody>
+      </p:sp>
+      <p:pic>
+        <p:nvPicPr>
+          <p:cNvPr id="7" name="그림 6"/>
+          <p:cNvPicPr>
+            <a:picLocks noChangeAspect="1"/>
+          </p:cNvPicPr>
+          <p:nvPr/>
+        </p:nvPicPr>
+        <p:blipFill>
+          <a:blip r:embed="rId3"/>
+          <a:stretch>
+            <a:fillRect/>
+          </a:stretch>
+        </p:blipFill>
+        <p:spPr>
+          <a:xfrm>
+            <a:off x="358589" y="309716"/>
+            <a:ext cx="6337180" cy="6287337"/>
+          </a:xfrm>
+          <a:prstGeom prst="rect">
+            <a:avLst/>
+          </a:prstGeom>
+        </p:spPr>
+      </p:pic>
+    </p:spTree>
+    <p:extLst>
+      <p:ext uri="{BB962C8B-B14F-4D97-AF65-F5344CB8AC3E}">
+        <p14:creationId xmlns:p14="http://schemas.microsoft.com/office/powerpoint/2010/main" val="531129779"/>
+      </p:ext>
+    </p:extLst>
+  </p:cSld>
+  <p:clrMapOvr>
+    <a:masterClrMapping/>
+  </p:clrMapOvr>
+</p:sld>
+</file>
+
+<file path=ppt/slides/slide23.xml><?xml version="1.0" encoding="utf-8"?>
+<p:sld xmlns:a="http://schemas.openxmlformats.org/drawingml/2006/main" xmlns:r="http://schemas.openxmlformats.org/officeDocument/2006/relationships" xmlns:p="http://schemas.openxmlformats.org/presentationml/2006/main">
+  <p:cSld>
+    <p:spTree>
+      <p:nvGrpSpPr>
+        <p:cNvPr id="1" name=""/>
+        <p:cNvGrpSpPr/>
+        <p:nvPr/>
+      </p:nvGrpSpPr>
+      <p:grpSpPr>
+        <a:xfrm>
+          <a:off x="0" y="0"/>
+          <a:ext cx="0" cy="0"/>
+          <a:chOff x="0" y="0"/>
+          <a:chExt cx="0" cy="0"/>
+        </a:xfrm>
+      </p:grpSpPr>
+      <p:pic>
+        <p:nvPicPr>
+          <p:cNvPr id="4" name="그림 3"/>
+          <p:cNvPicPr>
+            <a:picLocks noChangeAspect="1"/>
+          </p:cNvPicPr>
+          <p:nvPr/>
+        </p:nvPicPr>
+        <p:blipFill>
+          <a:blip r:embed="rId2"/>
+          <a:stretch>
+            <a:fillRect/>
+          </a:stretch>
+        </p:blipFill>
+        <p:spPr>
+          <a:xfrm>
+            <a:off x="959426" y="1032349"/>
+            <a:ext cx="10219851" cy="5510815"/>
+          </a:xfrm>
+          <a:prstGeom prst="rect">
+            <a:avLst/>
+          </a:prstGeom>
+        </p:spPr>
+      </p:pic>
+      <p:sp>
+        <p:nvSpPr>
+          <p:cNvPr id="5" name="TextBox 4"/>
+          <p:cNvSpPr txBox="1"/>
+          <p:nvPr/>
+        </p:nvSpPr>
+        <p:spPr>
+          <a:xfrm>
+            <a:off x="678426" y="324464"/>
+            <a:ext cx="10795819" cy="707886"/>
+          </a:xfrm>
+          <a:prstGeom prst="rect">
+            <a:avLst/>
+          </a:prstGeom>
+          <a:noFill/>
+        </p:spPr>
+        <p:txBody>
+          <a:bodyPr wrap="square" rtlCol="0">
+            <a:spAutoFit/>
+          </a:bodyPr>
+          <a:lstStyle/>
+          <a:p>
+            <a:pPr algn="ctr"/>
+            <a:r>
+              <a:rPr lang="ko-KR" altLang="en-US" sz="4000" dirty="0" smtClean="0">
+                <a:solidFill>
+                  <a:schemeClr val="accent1"/>
+                </a:solidFill>
+                <a:latin typeface="+mn-ea"/>
+              </a:rPr>
+              <a:t>성적집계표 </a:t>
+            </a:r>
+            <a:r>
+              <a:rPr lang="en-US" altLang="ko-KR" sz="4000" dirty="0">
+                <a:solidFill>
+                  <a:schemeClr val="accent1"/>
+                </a:solidFill>
+                <a:latin typeface="+mn-ea"/>
+              </a:rPr>
+              <a:t>2</a:t>
+            </a:r>
+            <a:endParaRPr lang="ko-KR" altLang="en-US" sz="4000" dirty="0">
+              <a:solidFill>
+                <a:schemeClr val="accent1"/>
+              </a:solidFill>
+              <a:latin typeface="+mn-ea"/>
+            </a:endParaRPr>
+          </a:p>
+        </p:txBody>
+      </p:sp>
+    </p:spTree>
+    <p:extLst>
+      <p:ext uri="{BB962C8B-B14F-4D97-AF65-F5344CB8AC3E}">
+        <p14:creationId xmlns:p14="http://schemas.microsoft.com/office/powerpoint/2010/main" val="564542353"/>
+      </p:ext>
+    </p:extLst>
+  </p:cSld>
+  <p:clrMapOvr>
+    <a:masterClrMapping/>
+  </p:clrMapOvr>
+</p:sld>
+</file>
+
+<file path=ppt/slides/slide24.xml><?xml version="1.0" encoding="utf-8"?>
+<p:sld xmlns:a="http://schemas.openxmlformats.org/drawingml/2006/main" xmlns:r="http://schemas.openxmlformats.org/officeDocument/2006/relationships" xmlns:p="http://schemas.openxmlformats.org/presentationml/2006/main">
+  <p:cSld>
+    <p:spTree>
+      <p:nvGrpSpPr>
+        <p:cNvPr id="1" name=""/>
+        <p:cNvGrpSpPr/>
+        <p:nvPr/>
+      </p:nvGrpSpPr>
+      <p:grpSpPr>
+        <a:xfrm>
+          <a:off x="0" y="0"/>
+          <a:ext cx="0" cy="0"/>
+          <a:chOff x="0" y="0"/>
+          <a:chExt cx="0" cy="0"/>
+        </a:xfrm>
+      </p:grpSpPr>
+      <p:pic>
+        <p:nvPicPr>
+          <p:cNvPr id="5" name="그림 4"/>
+          <p:cNvPicPr>
+            <a:picLocks noChangeAspect="1"/>
+          </p:cNvPicPr>
+          <p:nvPr/>
+        </p:nvPicPr>
+        <p:blipFill>
+          <a:blip r:embed="rId2"/>
+          <a:stretch>
+            <a:fillRect/>
+          </a:stretch>
+        </p:blipFill>
+        <p:spPr>
+          <a:xfrm>
+            <a:off x="492874" y="348150"/>
+            <a:ext cx="8345065" cy="6220693"/>
+          </a:xfrm>
+          <a:prstGeom prst="rect">
+            <a:avLst/>
+          </a:prstGeom>
+        </p:spPr>
+      </p:pic>
+    </p:spTree>
+    <p:extLst>
+      <p:ext uri="{BB962C8B-B14F-4D97-AF65-F5344CB8AC3E}">
+        <p14:creationId xmlns:p14="http://schemas.microsoft.com/office/powerpoint/2010/main" val="3521647730"/>
+      </p:ext>
+    </p:extLst>
+  </p:cSld>
+  <p:clrMapOvr>
+    <a:masterClrMapping/>
+  </p:clrMapOvr>
+</p:sld>
+</file>
+
+<file path=ppt/slides/slide25.xml><?xml version="1.0" encoding="utf-8"?>
+<p:sld xmlns:a="http://schemas.openxmlformats.org/drawingml/2006/main" xmlns:r="http://schemas.openxmlformats.org/officeDocument/2006/relationships" xmlns:p="http://schemas.openxmlformats.org/presentationml/2006/main">
+  <p:cSld>
+    <p:spTree>
+      <p:nvGrpSpPr>
+        <p:cNvPr id="1" name=""/>
+        <p:cNvGrpSpPr/>
+        <p:nvPr/>
+      </p:nvGrpSpPr>
+      <p:grpSpPr>
+        <a:xfrm>
+          <a:off x="0" y="0"/>
+          <a:ext cx="0" cy="0"/>
+          <a:chOff x="0" y="0"/>
+          <a:chExt cx="0" cy="0"/>
+        </a:xfrm>
+      </p:grpSpPr>
+      <p:pic>
+        <p:nvPicPr>
+          <p:cNvPr id="6" name="그림 5"/>
+          <p:cNvPicPr>
+            <a:picLocks noChangeAspect="1"/>
+          </p:cNvPicPr>
+          <p:nvPr/>
+        </p:nvPicPr>
+        <p:blipFill>
+          <a:blip r:embed="rId2"/>
+          <a:stretch>
+            <a:fillRect/>
+          </a:stretch>
+        </p:blipFill>
+        <p:spPr>
+          <a:xfrm>
+            <a:off x="572131" y="368011"/>
+            <a:ext cx="2236331" cy="2985148"/>
+          </a:xfrm>
+          <a:prstGeom prst="rect">
+            <a:avLst/>
+          </a:prstGeom>
+        </p:spPr>
+      </p:pic>
+      <p:pic>
+        <p:nvPicPr>
+          <p:cNvPr id="7" name="그림 6"/>
+          <p:cNvPicPr>
+            <a:picLocks noChangeAspect="1"/>
+          </p:cNvPicPr>
+          <p:nvPr/>
+        </p:nvPicPr>
+        <p:blipFill>
+          <a:blip r:embed="rId3"/>
+          <a:stretch>
+            <a:fillRect/>
+          </a:stretch>
+        </p:blipFill>
+        <p:spPr>
+          <a:xfrm>
+            <a:off x="3256870" y="366601"/>
+            <a:ext cx="2259028" cy="3013681"/>
+          </a:xfrm>
+          <a:prstGeom prst="rect">
+            <a:avLst/>
+          </a:prstGeom>
+        </p:spPr>
+      </p:pic>
+      <p:pic>
+        <p:nvPicPr>
+          <p:cNvPr id="8" name="그림 7"/>
+          <p:cNvPicPr>
+            <a:picLocks noChangeAspect="1"/>
+          </p:cNvPicPr>
+          <p:nvPr/>
+        </p:nvPicPr>
+        <p:blipFill>
+          <a:blip r:embed="rId4"/>
+          <a:stretch>
+            <a:fillRect/>
+          </a:stretch>
+        </p:blipFill>
+        <p:spPr>
+          <a:xfrm>
+            <a:off x="6117862" y="366601"/>
+            <a:ext cx="2200228" cy="2999870"/>
+          </a:xfrm>
+          <a:prstGeom prst="rect">
+            <a:avLst/>
+          </a:prstGeom>
+        </p:spPr>
+      </p:pic>
+      <p:pic>
+        <p:nvPicPr>
+          <p:cNvPr id="9" name="그림 8"/>
+          <p:cNvPicPr>
+            <a:picLocks noChangeAspect="1"/>
+          </p:cNvPicPr>
+          <p:nvPr/>
+        </p:nvPicPr>
+        <p:blipFill>
+          <a:blip r:embed="rId5"/>
+          <a:stretch>
+            <a:fillRect/>
+          </a:stretch>
+        </p:blipFill>
+        <p:spPr>
+          <a:xfrm>
+            <a:off x="9008354" y="368011"/>
+            <a:ext cx="2244666" cy="2994532"/>
+          </a:xfrm>
+          <a:prstGeom prst="rect">
+            <a:avLst/>
+          </a:prstGeom>
+        </p:spPr>
+      </p:pic>
+      <p:pic>
+        <p:nvPicPr>
+          <p:cNvPr id="10" name="그림 9"/>
+          <p:cNvPicPr>
+            <a:picLocks noChangeAspect="1"/>
+          </p:cNvPicPr>
+          <p:nvPr/>
+        </p:nvPicPr>
+        <p:blipFill>
+          <a:blip r:embed="rId6"/>
+          <a:stretch>
+            <a:fillRect/>
+          </a:stretch>
+        </p:blipFill>
+        <p:spPr>
+          <a:xfrm>
+            <a:off x="572131" y="3353159"/>
+            <a:ext cx="2389230" cy="3265281"/>
+          </a:xfrm>
+          <a:prstGeom prst="rect">
+            <a:avLst/>
+          </a:prstGeom>
+        </p:spPr>
+      </p:pic>
+      <p:pic>
+        <p:nvPicPr>
+          <p:cNvPr id="11" name="그림 10"/>
+          <p:cNvPicPr>
+            <a:picLocks noChangeAspect="1"/>
+          </p:cNvPicPr>
+          <p:nvPr/>
+        </p:nvPicPr>
+        <p:blipFill>
+          <a:blip r:embed="rId7"/>
+          <a:stretch>
+            <a:fillRect/>
+          </a:stretch>
+        </p:blipFill>
+        <p:spPr>
+          <a:xfrm>
+            <a:off x="3256870" y="3380282"/>
+            <a:ext cx="2338971" cy="3123757"/>
+          </a:xfrm>
+          <a:prstGeom prst="rect">
+            <a:avLst/>
+          </a:prstGeom>
+        </p:spPr>
+      </p:pic>
+      <p:pic>
+        <p:nvPicPr>
+          <p:cNvPr id="12" name="그림 11"/>
+          <p:cNvPicPr>
+            <a:picLocks noChangeAspect="1"/>
+          </p:cNvPicPr>
+          <p:nvPr/>
+        </p:nvPicPr>
+        <p:blipFill>
+          <a:blip r:embed="rId8"/>
+          <a:stretch>
+            <a:fillRect/>
+          </a:stretch>
+        </p:blipFill>
+        <p:spPr>
+          <a:xfrm>
+            <a:off x="6117862" y="3573628"/>
+            <a:ext cx="2610026" cy="2737063"/>
+          </a:xfrm>
+          <a:prstGeom prst="rect">
+            <a:avLst/>
+          </a:prstGeom>
+        </p:spPr>
+      </p:pic>
+    </p:spTree>
+    <p:extLst>
+      <p:ext uri="{BB962C8B-B14F-4D97-AF65-F5344CB8AC3E}">
+        <p14:creationId xmlns:p14="http://schemas.microsoft.com/office/powerpoint/2010/main" val="2589493549"/>
       </p:ext>
     </p:extLst>
   </p:cSld>

--- a/자바심화PPT과제/자바심화 6강.pptx
+++ b/자바심화PPT과제/자바심화 6강.pptx
@@ -348,7 +348,7 @@
             <a:fld id="{96DFF08F-DC6B-4601-B491-B0F83F6DD2DA}" type="datetimeFigureOut">
               <a:rPr lang="en-US" dirty="0"/>
               <a:pPr/>
-              <a:t>3/29/2023</a:t>
+              <a:t>3/30/2023</a:t>
             </a:fld>
             <a:endParaRPr lang="en-US" dirty="0"/>
           </a:p>
@@ -565,7 +565,7 @@
           <a:p>
             <a:fld id="{96DFF08F-DC6B-4601-B491-B0F83F6DD2DA}" type="datetimeFigureOut">
               <a:rPr lang="en-US" dirty="0"/>
-              <a:t>3/29/2023</a:t>
+              <a:t>3/30/2023</a:t>
             </a:fld>
             <a:endParaRPr lang="en-US" dirty="0"/>
           </a:p>
@@ -740,7 +740,7 @@
           <a:p>
             <a:fld id="{96DFF08F-DC6B-4601-B491-B0F83F6DD2DA}" type="datetimeFigureOut">
               <a:rPr lang="en-US" dirty="0"/>
-              <a:t>3/29/2023</a:t>
+              <a:t>3/30/2023</a:t>
             </a:fld>
             <a:endParaRPr lang="en-US" dirty="0"/>
           </a:p>
@@ -905,7 +905,7 @@
           <a:p>
             <a:fld id="{96DFF08F-DC6B-4601-B491-B0F83F6DD2DA}" type="datetimeFigureOut">
               <a:rPr lang="en-US" dirty="0"/>
-              <a:t>3/29/2023</a:t>
+              <a:t>3/30/2023</a:t>
             </a:fld>
             <a:endParaRPr lang="en-US" dirty="0"/>
           </a:p>
@@ -1174,7 +1174,7 @@
           <a:p>
             <a:fld id="{96DFF08F-DC6B-4601-B491-B0F83F6DD2DA}" type="datetimeFigureOut">
               <a:rPr lang="en-US" dirty="0"/>
-              <a:t>3/29/2023</a:t>
+              <a:t>3/30/2023</a:t>
             </a:fld>
             <a:endParaRPr lang="en-US" dirty="0"/>
           </a:p>
@@ -1492,7 +1492,7 @@
           <a:p>
             <a:fld id="{96DFF08F-DC6B-4601-B491-B0F83F6DD2DA}" type="datetimeFigureOut">
               <a:rPr lang="en-US" dirty="0"/>
-              <a:t>3/29/2023</a:t>
+              <a:t>3/30/2023</a:t>
             </a:fld>
             <a:endParaRPr lang="en-US" dirty="0"/>
           </a:p>
@@ -1911,7 +1911,7 @@
           <a:p>
             <a:fld id="{96DFF08F-DC6B-4601-B491-B0F83F6DD2DA}" type="datetimeFigureOut">
               <a:rPr lang="en-US" dirty="0"/>
-              <a:t>3/29/2023</a:t>
+              <a:t>3/30/2023</a:t>
             </a:fld>
             <a:endParaRPr lang="en-US" dirty="0"/>
           </a:p>
@@ -2024,7 +2024,7 @@
           <a:p>
             <a:fld id="{96DFF08F-DC6B-4601-B491-B0F83F6DD2DA}" type="datetimeFigureOut">
               <a:rPr lang="en-US" dirty="0"/>
-              <a:t>3/29/2023</a:t>
+              <a:t>3/30/2023</a:t>
             </a:fld>
             <a:endParaRPr lang="en-US" dirty="0"/>
           </a:p>
@@ -2114,7 +2114,7 @@
           <a:p>
             <a:fld id="{96DFF08F-DC6B-4601-B491-B0F83F6DD2DA}" type="datetimeFigureOut">
               <a:rPr lang="en-US" dirty="0"/>
-              <a:t>3/29/2023</a:t>
+              <a:t>3/30/2023</a:t>
             </a:fld>
             <a:endParaRPr lang="en-US" dirty="0"/>
           </a:p>
@@ -2399,7 +2399,7 @@
           <a:p>
             <a:fld id="{96DFF08F-DC6B-4601-B491-B0F83F6DD2DA}" type="datetimeFigureOut">
               <a:rPr lang="en-US" dirty="0"/>
-              <a:t>3/29/2023</a:t>
+              <a:t>3/30/2023</a:t>
             </a:fld>
             <a:endParaRPr lang="en-US" dirty="0"/>
           </a:p>
@@ -2666,7 +2666,7 @@
           <a:p>
             <a:fld id="{96DFF08F-DC6B-4601-B491-B0F83F6DD2DA}" type="datetimeFigureOut">
               <a:rPr lang="en-US" dirty="0"/>
-              <a:t>3/29/2023</a:t>
+              <a:t>3/30/2023</a:t>
             </a:fld>
             <a:endParaRPr lang="en-US" dirty="0"/>
           </a:p>
@@ -2916,7 +2916,7 @@
             <a:fld id="{96DFF08F-DC6B-4601-B491-B0F83F6DD2DA}" type="datetimeFigureOut">
               <a:rPr lang="en-US" dirty="0"/>
               <a:pPr/>
-              <a:t>3/29/2023</a:t>
+              <a:t>3/30/2023</a:t>
             </a:fld>
             <a:endParaRPr lang="en-US" dirty="0"/>
           </a:p>
@@ -3853,7 +3853,7 @@
           <p:cNvPr id="4" name="그림 3">
             <a:extLst>
               <a:ext uri="{FF2B5EF4-FFF2-40B4-BE49-F238E27FC236}">
-                <a16:creationId xmlns="" xmlns:a16="http://schemas.microsoft.com/office/drawing/2014/main" id="{B4BC975C-A586-043E-68B6-A8B9341E4698}"/>
+                <a16:creationId xmlns:a16="http://schemas.microsoft.com/office/drawing/2014/main" xmlns="" id="{B4BC975C-A586-043E-68B6-A8B9341E4698}"/>
               </a:ext>
             </a:extLst>
           </p:cNvPr>
@@ -3913,7 +3913,7 @@
           <p:cNvPr id="4" name="그림 3">
             <a:extLst>
               <a:ext uri="{FF2B5EF4-FFF2-40B4-BE49-F238E27FC236}">
-                <a16:creationId xmlns="" xmlns:a16="http://schemas.microsoft.com/office/drawing/2014/main" id="{361534C1-47CC-9B45-3D97-48129923C9E0}"/>
+                <a16:creationId xmlns:a16="http://schemas.microsoft.com/office/drawing/2014/main" xmlns="" id="{361534C1-47CC-9B45-3D97-48129923C9E0}"/>
               </a:ext>
             </a:extLst>
           </p:cNvPr>
@@ -4003,7 +4003,7 @@
           <p:cNvPr id="14" name="그림 13">
             <a:extLst>
               <a:ext uri="{FF2B5EF4-FFF2-40B4-BE49-F238E27FC236}">
-                <a16:creationId xmlns="" xmlns:a16="http://schemas.microsoft.com/office/drawing/2014/main" id="{34334846-CEC4-EEC9-D595-7FB83B981A6A}"/>
+                <a16:creationId xmlns:a16="http://schemas.microsoft.com/office/drawing/2014/main" xmlns="" id="{34334846-CEC4-EEC9-D595-7FB83B981A6A}"/>
               </a:ext>
             </a:extLst>
           </p:cNvPr>
@@ -4033,7 +4033,7 @@
           <p:cNvPr id="16" name="그림 15">
             <a:extLst>
               <a:ext uri="{FF2B5EF4-FFF2-40B4-BE49-F238E27FC236}">
-                <a16:creationId xmlns="" xmlns:a16="http://schemas.microsoft.com/office/drawing/2014/main" id="{C21D07FB-4AA6-0B8A-B50A-F9421A2D27CC}"/>
+                <a16:creationId xmlns:a16="http://schemas.microsoft.com/office/drawing/2014/main" xmlns="" id="{C21D07FB-4AA6-0B8A-B50A-F9421A2D27CC}"/>
               </a:ext>
             </a:extLst>
           </p:cNvPr>
@@ -4093,7 +4093,7 @@
           <p:cNvPr id="12" name="그림 11">
             <a:extLst>
               <a:ext uri="{FF2B5EF4-FFF2-40B4-BE49-F238E27FC236}">
-                <a16:creationId xmlns="" xmlns:a16="http://schemas.microsoft.com/office/drawing/2014/main" id="{02EFEECE-E0EA-4F11-6E83-30B92B79C054}"/>
+                <a16:creationId xmlns:a16="http://schemas.microsoft.com/office/drawing/2014/main" xmlns="" id="{02EFEECE-E0EA-4F11-6E83-30B92B79C054}"/>
               </a:ext>
             </a:extLst>
           </p:cNvPr>
@@ -4123,7 +4123,7 @@
           <p:cNvPr id="14" name="그림 13">
             <a:extLst>
               <a:ext uri="{FF2B5EF4-FFF2-40B4-BE49-F238E27FC236}">
-                <a16:creationId xmlns="" xmlns:a16="http://schemas.microsoft.com/office/drawing/2014/main" id="{EF139EEF-F7F2-0F30-4B88-4957E900BBF0}"/>
+                <a16:creationId xmlns:a16="http://schemas.microsoft.com/office/drawing/2014/main" xmlns="" id="{EF139EEF-F7F2-0F30-4B88-4957E900BBF0}"/>
               </a:ext>
             </a:extLst>
           </p:cNvPr>
@@ -4153,7 +4153,7 @@
           <p:cNvPr id="16" name="그림 15">
             <a:extLst>
               <a:ext uri="{FF2B5EF4-FFF2-40B4-BE49-F238E27FC236}">
-                <a16:creationId xmlns="" xmlns:a16="http://schemas.microsoft.com/office/drawing/2014/main" id="{A9E4EAC2-D306-A3F5-5BCF-05DD4A130EB7}"/>
+                <a16:creationId xmlns:a16="http://schemas.microsoft.com/office/drawing/2014/main" xmlns="" id="{A9E4EAC2-D306-A3F5-5BCF-05DD4A130EB7}"/>
               </a:ext>
             </a:extLst>
           </p:cNvPr>
@@ -4213,7 +4213,7 @@
           <p:cNvPr id="2" name="제목 1">
             <a:extLst>
               <a:ext uri="{FF2B5EF4-FFF2-40B4-BE49-F238E27FC236}">
-                <a16:creationId xmlns="" xmlns:a16="http://schemas.microsoft.com/office/drawing/2014/main" id="{BBD2728C-78B4-2780-7D87-584923362880}"/>
+                <a16:creationId xmlns:a16="http://schemas.microsoft.com/office/drawing/2014/main" xmlns="" id="{BBD2728C-78B4-2780-7D87-584923362880}"/>
               </a:ext>
             </a:extLst>
           </p:cNvPr>
@@ -4249,7 +4249,7 @@
           <p:cNvPr id="6" name="그림 5">
             <a:extLst>
               <a:ext uri="{FF2B5EF4-FFF2-40B4-BE49-F238E27FC236}">
-                <a16:creationId xmlns="" xmlns:a16="http://schemas.microsoft.com/office/drawing/2014/main" id="{12B1640E-33AC-0D10-F6EC-4A69FEAE7E6B}"/>
+                <a16:creationId xmlns:a16="http://schemas.microsoft.com/office/drawing/2014/main" xmlns="" id="{12B1640E-33AC-0D10-F6EC-4A69FEAE7E6B}"/>
               </a:ext>
             </a:extLst>
           </p:cNvPr>
@@ -4279,7 +4279,7 @@
           <p:cNvPr id="8" name="그림 7">
             <a:extLst>
               <a:ext uri="{FF2B5EF4-FFF2-40B4-BE49-F238E27FC236}">
-                <a16:creationId xmlns="" xmlns:a16="http://schemas.microsoft.com/office/drawing/2014/main" id="{CA577D8C-6FD4-E83B-D768-1AC47E0B5767}"/>
+                <a16:creationId xmlns:a16="http://schemas.microsoft.com/office/drawing/2014/main" xmlns="" id="{CA577D8C-6FD4-E83B-D768-1AC47E0B5767}"/>
               </a:ext>
             </a:extLst>
           </p:cNvPr>
@@ -4339,7 +4339,7 @@
           <p:cNvPr id="2" name="TextBox 1">
             <a:extLst>
               <a:ext uri="{FF2B5EF4-FFF2-40B4-BE49-F238E27FC236}">
-                <a16:creationId xmlns="" xmlns:a16="http://schemas.microsoft.com/office/drawing/2014/main" id="{D83BC4DB-798C-9537-8B0C-E65379A992B7}"/>
+                <a16:creationId xmlns:a16="http://schemas.microsoft.com/office/drawing/2014/main" xmlns="" id="{D83BC4DB-798C-9537-8B0C-E65379A992B7}"/>
               </a:ext>
             </a:extLst>
           </p:cNvPr>
@@ -4388,7 +4388,7 @@
           <p:cNvPr id="6" name="그림 5">
             <a:extLst>
               <a:ext uri="{FF2B5EF4-FFF2-40B4-BE49-F238E27FC236}">
-                <a16:creationId xmlns="" xmlns:a16="http://schemas.microsoft.com/office/drawing/2014/main" id="{E664C9E0-7D04-6EF9-9EA3-8A06B1F74BB4}"/>
+                <a16:creationId xmlns:a16="http://schemas.microsoft.com/office/drawing/2014/main" xmlns="" id="{E664C9E0-7D04-6EF9-9EA3-8A06B1F74BB4}"/>
               </a:ext>
             </a:extLst>
           </p:cNvPr>
@@ -4418,7 +4418,7 @@
           <p:cNvPr id="8" name="그림 7">
             <a:extLst>
               <a:ext uri="{FF2B5EF4-FFF2-40B4-BE49-F238E27FC236}">
-                <a16:creationId xmlns="" xmlns:a16="http://schemas.microsoft.com/office/drawing/2014/main" id="{D7B2DD56-53CB-2423-DA77-61C9469F1A88}"/>
+                <a16:creationId xmlns:a16="http://schemas.microsoft.com/office/drawing/2014/main" xmlns="" id="{D7B2DD56-53CB-2423-DA77-61C9469F1A88}"/>
               </a:ext>
             </a:extLst>
           </p:cNvPr>
@@ -4448,7 +4448,7 @@
           <p:cNvPr id="10" name="그림 9">
             <a:extLst>
               <a:ext uri="{FF2B5EF4-FFF2-40B4-BE49-F238E27FC236}">
-                <a16:creationId xmlns="" xmlns:a16="http://schemas.microsoft.com/office/drawing/2014/main" id="{E8B43C21-0C38-A3E9-BE72-F47D31C4791F}"/>
+                <a16:creationId xmlns:a16="http://schemas.microsoft.com/office/drawing/2014/main" xmlns="" id="{E8B43C21-0C38-A3E9-BE72-F47D31C4791F}"/>
               </a:ext>
             </a:extLst>
           </p:cNvPr>
@@ -4617,7 +4617,7 @@
           <p:cNvPr id="2" name="제목 1">
             <a:extLst>
               <a:ext uri="{FF2B5EF4-FFF2-40B4-BE49-F238E27FC236}">
-                <a16:creationId xmlns="" xmlns:a16="http://schemas.microsoft.com/office/drawing/2014/main" id="{0312CE02-893D-2E61-66DB-53EA126B91B1}"/>
+                <a16:creationId xmlns:a16="http://schemas.microsoft.com/office/drawing/2014/main" xmlns="" id="{0312CE02-893D-2E61-66DB-53EA126B91B1}"/>
               </a:ext>
             </a:extLst>
           </p:cNvPr>
@@ -4658,7 +4658,7 @@
           <p:cNvPr id="4" name="그림 3">
             <a:extLst>
               <a:ext uri="{FF2B5EF4-FFF2-40B4-BE49-F238E27FC236}">
-                <a16:creationId xmlns="" xmlns:a16="http://schemas.microsoft.com/office/drawing/2014/main" id="{052CB74B-1A56-9ED3-A4A7-85B417164948}"/>
+                <a16:creationId xmlns:a16="http://schemas.microsoft.com/office/drawing/2014/main" xmlns="" id="{052CB74B-1A56-9ED3-A4A7-85B417164948}"/>
               </a:ext>
             </a:extLst>
           </p:cNvPr>
@@ -4688,7 +4688,7 @@
           <p:cNvPr id="6" name="그림 5">
             <a:extLst>
               <a:ext uri="{FF2B5EF4-FFF2-40B4-BE49-F238E27FC236}">
-                <a16:creationId xmlns="" xmlns:a16="http://schemas.microsoft.com/office/drawing/2014/main" id="{9BB70369-C388-2A24-E384-B0E0D4453F68}"/>
+                <a16:creationId xmlns:a16="http://schemas.microsoft.com/office/drawing/2014/main" xmlns="" id="{9BB70369-C388-2A24-E384-B0E0D4453F68}"/>
               </a:ext>
             </a:extLst>
           </p:cNvPr>
@@ -4948,7 +4948,7 @@
       </p:sp>
       <p:pic>
         <p:nvPicPr>
-          <p:cNvPr id="7" name="그림 6"/>
+          <p:cNvPr id="2" name="그림 1"/>
           <p:cNvPicPr>
             <a:picLocks noChangeAspect="1"/>
           </p:cNvPicPr>
@@ -4962,8 +4962,8 @@
         </p:blipFill>
         <p:spPr>
           <a:xfrm>
-            <a:off x="358589" y="309716"/>
-            <a:ext cx="6337180" cy="6287337"/>
+            <a:off x="420789" y="309716"/>
+            <a:ext cx="6363470" cy="6221587"/>
           </a:xfrm>
           <a:prstGeom prst="rect">
             <a:avLst/>
@@ -5106,7 +5106,7 @@
       </p:grpSpPr>
       <p:pic>
         <p:nvPicPr>
-          <p:cNvPr id="5" name="그림 4"/>
+          <p:cNvPr id="2" name="그림 1"/>
           <p:cNvPicPr>
             <a:picLocks noChangeAspect="1"/>
           </p:cNvPicPr>
@@ -5120,8 +5120,8 @@
         </p:blipFill>
         <p:spPr>
           <a:xfrm>
-            <a:off x="492874" y="348150"/>
-            <a:ext cx="8345065" cy="6220693"/>
+            <a:off x="930103" y="272857"/>
+            <a:ext cx="8169652" cy="6309513"/>
           </a:xfrm>
           <a:prstGeom prst="rect">
             <a:avLst/>
